--- a/reports/week-5.pptx
+++ b/reports/week-5.pptx
@@ -7,6 +7,14 @@
   <p:sldIdLst>
     <p:sldId id="256" r:id="rId2"/>
     <p:sldId id="257" r:id="rId3"/>
+    <p:sldId id="260" r:id="rId4"/>
+    <p:sldId id="264" r:id="rId5"/>
+    <p:sldId id="265" r:id="rId6"/>
+    <p:sldId id="261" r:id="rId7"/>
+    <p:sldId id="262" r:id="rId8"/>
+    <p:sldId id="266" r:id="rId9"/>
+    <p:sldId id="268" r:id="rId10"/>
+    <p:sldId id="263" r:id="rId11"/>
   </p:sldIdLst>
   <p:sldSz cx="12192000" cy="6858000"/>
   <p:notesSz cx="6858000" cy="9144000"/>
@@ -105,6 +113,11 @@
       </a:defRPr>
     </a:lvl9pPr>
   </p:defaultTextStyle>
+  <p:extLst>
+    <p:ext uri="{EFAFB233-063F-42B5-8137-9DF3F51BA10A}">
+      <p15:sldGuideLst xmlns:p15="http://schemas.microsoft.com/office/powerpoint/2012/main"/>
+    </p:ext>
+  </p:extLst>
 </p:presentation>
 </file>
 
@@ -257,7 +270,7 @@
           <a:p>
             <a:fld id="{B83EB615-3B34-4378-887D-4961D5BB1099}" type="datetimeFigureOut">
               <a:rPr lang="en-IN" smtClean="0"/>
-              <a:t>27-06-2021</a:t>
+              <a:t>03-07-2021</a:t>
             </a:fld>
             <a:endParaRPr lang="en-IN"/>
           </a:p>
@@ -457,7 +470,7 @@
           <a:p>
             <a:fld id="{B83EB615-3B34-4378-887D-4961D5BB1099}" type="datetimeFigureOut">
               <a:rPr lang="en-IN" smtClean="0"/>
-              <a:t>27-06-2021</a:t>
+              <a:t>03-07-2021</a:t>
             </a:fld>
             <a:endParaRPr lang="en-IN"/>
           </a:p>
@@ -667,7 +680,7 @@
           <a:p>
             <a:fld id="{B83EB615-3B34-4378-887D-4961D5BB1099}" type="datetimeFigureOut">
               <a:rPr lang="en-IN" smtClean="0"/>
-              <a:t>27-06-2021</a:t>
+              <a:t>03-07-2021</a:t>
             </a:fld>
             <a:endParaRPr lang="en-IN"/>
           </a:p>
@@ -867,7 +880,7 @@
           <a:p>
             <a:fld id="{B83EB615-3B34-4378-887D-4961D5BB1099}" type="datetimeFigureOut">
               <a:rPr lang="en-IN" smtClean="0"/>
-              <a:t>27-06-2021</a:t>
+              <a:t>03-07-2021</a:t>
             </a:fld>
             <a:endParaRPr lang="en-IN"/>
           </a:p>
@@ -1143,7 +1156,7 @@
           <a:p>
             <a:fld id="{B83EB615-3B34-4378-887D-4961D5BB1099}" type="datetimeFigureOut">
               <a:rPr lang="en-IN" smtClean="0"/>
-              <a:t>27-06-2021</a:t>
+              <a:t>03-07-2021</a:t>
             </a:fld>
             <a:endParaRPr lang="en-IN"/>
           </a:p>
@@ -1411,7 +1424,7 @@
           <a:p>
             <a:fld id="{B83EB615-3B34-4378-887D-4961D5BB1099}" type="datetimeFigureOut">
               <a:rPr lang="en-IN" smtClean="0"/>
-              <a:t>27-06-2021</a:t>
+              <a:t>03-07-2021</a:t>
             </a:fld>
             <a:endParaRPr lang="en-IN"/>
           </a:p>
@@ -1826,7 +1839,7 @@
           <a:p>
             <a:fld id="{B83EB615-3B34-4378-887D-4961D5BB1099}" type="datetimeFigureOut">
               <a:rPr lang="en-IN" smtClean="0"/>
-              <a:t>27-06-2021</a:t>
+              <a:t>03-07-2021</a:t>
             </a:fld>
             <a:endParaRPr lang="en-IN"/>
           </a:p>
@@ -1968,7 +1981,7 @@
           <a:p>
             <a:fld id="{B83EB615-3B34-4378-887D-4961D5BB1099}" type="datetimeFigureOut">
               <a:rPr lang="en-IN" smtClean="0"/>
-              <a:t>27-06-2021</a:t>
+              <a:t>03-07-2021</a:t>
             </a:fld>
             <a:endParaRPr lang="en-IN"/>
           </a:p>
@@ -2081,7 +2094,7 @@
           <a:p>
             <a:fld id="{B83EB615-3B34-4378-887D-4961D5BB1099}" type="datetimeFigureOut">
               <a:rPr lang="en-IN" smtClean="0"/>
-              <a:t>27-06-2021</a:t>
+              <a:t>03-07-2021</a:t>
             </a:fld>
             <a:endParaRPr lang="en-IN"/>
           </a:p>
@@ -2394,7 +2407,7 @@
           <a:p>
             <a:fld id="{B83EB615-3B34-4378-887D-4961D5BB1099}" type="datetimeFigureOut">
               <a:rPr lang="en-IN" smtClean="0"/>
-              <a:t>27-06-2021</a:t>
+              <a:t>03-07-2021</a:t>
             </a:fld>
             <a:endParaRPr lang="en-IN"/>
           </a:p>
@@ -2683,7 +2696,7 @@
           <a:p>
             <a:fld id="{B83EB615-3B34-4378-887D-4961D5BB1099}" type="datetimeFigureOut">
               <a:rPr lang="en-IN" smtClean="0"/>
-              <a:t>27-06-2021</a:t>
+              <a:t>03-07-2021</a:t>
             </a:fld>
             <a:endParaRPr lang="en-IN"/>
           </a:p>
@@ -2926,7 +2939,7 @@
           <a:p>
             <a:fld id="{B83EB615-3B34-4378-887D-4961D5BB1099}" type="datetimeFigureOut">
               <a:rPr lang="en-IN" smtClean="0"/>
-              <a:t>27-06-2021</a:t>
+              <a:t>03-07-2021</a:t>
             </a:fld>
             <a:endParaRPr lang="en-IN"/>
           </a:p>
@@ -3364,7 +3377,26 @@
           <a:bodyPr/>
           <a:lstStyle/>
           <a:p>
-            <a:endParaRPr lang="en-IN" dirty="0"/>
+            <a:r>
+              <a:rPr lang="en-IN" dirty="0"/>
+              <a:t>Work report 27</a:t>
+            </a:r>
+            <a:r>
+              <a:rPr lang="en-IN" baseline="30000" dirty="0"/>
+              <a:t>th </a:t>
+            </a:r>
+            <a:r>
+              <a:rPr lang="en-IN" dirty="0"/>
+              <a:t>– 2</a:t>
+            </a:r>
+            <a:r>
+              <a:rPr lang="en-IN" baseline="30000" dirty="0"/>
+              <a:t>th</a:t>
+            </a:r>
+            <a:r>
+              <a:rPr lang="en-IN" dirty="0"/>
+              <a:t> July</a:t>
+            </a:r>
           </a:p>
         </p:txBody>
       </p:sp>
@@ -3397,6 +3429,151 @@
     <p:extLst>
       <p:ext uri="{BB962C8B-B14F-4D97-AF65-F5344CB8AC3E}">
         <p14:creationId xmlns:p14="http://schemas.microsoft.com/office/powerpoint/2010/main" val="1835407470"/>
+      </p:ext>
+    </p:extLst>
+  </p:cSld>
+  <p:clrMapOvr>
+    <a:masterClrMapping/>
+  </p:clrMapOvr>
+</p:sld>
+</file>
+
+<file path=ppt/slides/slide10.xml><?xml version="1.0" encoding="utf-8"?>
+<p:sld xmlns:a="http://schemas.openxmlformats.org/drawingml/2006/main" xmlns:r="http://schemas.openxmlformats.org/officeDocument/2006/relationships" xmlns:p="http://schemas.openxmlformats.org/presentationml/2006/main">
+  <p:cSld>
+    <p:spTree>
+      <p:nvGrpSpPr>
+        <p:cNvPr id="1" name=""/>
+        <p:cNvGrpSpPr/>
+        <p:nvPr/>
+      </p:nvGrpSpPr>
+      <p:grpSpPr>
+        <a:xfrm>
+          <a:off x="0" y="0"/>
+          <a:ext cx="0" cy="0"/>
+          <a:chOff x="0" y="0"/>
+          <a:chExt cx="0" cy="0"/>
+        </a:xfrm>
+      </p:grpSpPr>
+      <p:sp>
+        <p:nvSpPr>
+          <p:cNvPr id="2" name="Title 1">
+            <a:extLst>
+              <a:ext uri="{FF2B5EF4-FFF2-40B4-BE49-F238E27FC236}">
+                <a16:creationId xmlns:a16="http://schemas.microsoft.com/office/drawing/2014/main" id="{8CD54EE4-F292-44F7-A927-A3FBCA3452A0}"/>
+              </a:ext>
+            </a:extLst>
+          </p:cNvPr>
+          <p:cNvSpPr>
+            <a:spLocks noGrp="1"/>
+          </p:cNvSpPr>
+          <p:nvPr>
+            <p:ph type="title"/>
+          </p:nvPr>
+        </p:nvSpPr>
+        <p:spPr/>
+        <p:txBody>
+          <a:bodyPr/>
+          <a:lstStyle/>
+          <a:p>
+            <a:r>
+              <a:rPr lang="en-IN" dirty="0"/>
+              <a:t>SSH</a:t>
+            </a:r>
+          </a:p>
+        </p:txBody>
+      </p:sp>
+      <p:sp>
+        <p:nvSpPr>
+          <p:cNvPr id="3" name="Content Placeholder 2">
+            <a:extLst>
+              <a:ext uri="{FF2B5EF4-FFF2-40B4-BE49-F238E27FC236}">
+                <a16:creationId xmlns:a16="http://schemas.microsoft.com/office/drawing/2014/main" id="{C6BFFD17-9BC3-40DA-91E7-179302AC7186}"/>
+              </a:ext>
+            </a:extLst>
+          </p:cNvPr>
+          <p:cNvSpPr>
+            <a:spLocks noGrp="1"/>
+          </p:cNvSpPr>
+          <p:nvPr>
+            <p:ph idx="1"/>
+          </p:nvPr>
+        </p:nvSpPr>
+        <p:spPr/>
+        <p:txBody>
+          <a:bodyPr/>
+          <a:lstStyle/>
+          <a:p>
+            <a:r>
+              <a:rPr lang="en-IN" dirty="0"/>
+              <a:t>How to keep a process running after logging off from </a:t>
+            </a:r>
+            <a:r>
+              <a:rPr lang="en-IN" dirty="0" err="1"/>
+              <a:t>ssh</a:t>
+            </a:r>
+            <a:r>
+              <a:rPr lang="en-IN" dirty="0"/>
+              <a:t>?</a:t>
+            </a:r>
+          </a:p>
+          <a:p>
+            <a:pPr lvl="1"/>
+            <a:r>
+              <a:rPr lang="en-IN" dirty="0"/>
+              <a:t>Using </a:t>
+            </a:r>
+            <a:r>
+              <a:rPr lang="en-IN" dirty="0" err="1"/>
+              <a:t>tmux</a:t>
+            </a:r>
+            <a:r>
+              <a:rPr lang="en-IN" dirty="0"/>
+              <a:t> to create a new session?</a:t>
+            </a:r>
+          </a:p>
+          <a:p>
+            <a:r>
+              <a:rPr lang="en-IN" dirty="0"/>
+              <a:t>How to install a library?</a:t>
+            </a:r>
+          </a:p>
+          <a:p>
+            <a:pPr lvl="1"/>
+            <a:r>
+              <a:rPr lang="en-IN" dirty="0"/>
+              <a:t>Using </a:t>
+            </a:r>
+            <a:r>
+              <a:rPr lang="en-IN" dirty="0" err="1"/>
+              <a:t>conda</a:t>
+            </a:r>
+            <a:r>
+              <a:rPr lang="en-IN" dirty="0"/>
+              <a:t> to create virtual environment?</a:t>
+            </a:r>
+          </a:p>
+          <a:p>
+            <a:pPr lvl="1"/>
+            <a:r>
+              <a:rPr lang="en-IN" dirty="0"/>
+              <a:t>Installing from source in ‘</a:t>
+            </a:r>
+            <a:r>
+              <a:rPr lang="en-IN" dirty="0" err="1"/>
+              <a:t>anirudha</a:t>
+            </a:r>
+            <a:r>
+              <a:rPr lang="en-IN" dirty="0"/>
+              <a:t>/home’?</a:t>
+            </a:r>
+          </a:p>
+        </p:txBody>
+      </p:sp>
+    </p:spTree>
+    <p:extLst>
+      <p:ext uri="{BB962C8B-B14F-4D97-AF65-F5344CB8AC3E}">
+        <p14:creationId xmlns:p14="http://schemas.microsoft.com/office/powerpoint/2010/main" val="4102116591"/>
       </p:ext>
     </p:extLst>
   </p:cSld>
@@ -3561,11 +3738,14 @@
               <a:t>mbrt</a:t>
             </a:r>
             <a:r>
-              <a:rPr lang="en-US">
+              <a:rPr lang="en-US" dirty="0">
                 <a:hlinkClick r:id="rId4"/>
               </a:rPr>
               <a:t>/GTL (github.com)</a:t>
             </a:r>
+            <a:endParaRPr lang="en-US" dirty="0"/>
+          </a:p>
+          <a:p>
             <a:endParaRPr lang="en-IN" dirty="0"/>
           </a:p>
         </p:txBody>
@@ -3574,6 +3754,2460 @@
     <p:extLst>
       <p:ext uri="{BB962C8B-B14F-4D97-AF65-F5344CB8AC3E}">
         <p14:creationId xmlns:p14="http://schemas.microsoft.com/office/powerpoint/2010/main" val="3231331700"/>
+      </p:ext>
+    </p:extLst>
+  </p:cSld>
+  <p:clrMapOvr>
+    <a:masterClrMapping/>
+  </p:clrMapOvr>
+</p:sld>
+</file>
+
+<file path=ppt/slides/slide3.xml><?xml version="1.0" encoding="utf-8"?>
+<p:sld xmlns:a="http://schemas.openxmlformats.org/drawingml/2006/main" xmlns:r="http://schemas.openxmlformats.org/officeDocument/2006/relationships" xmlns:p="http://schemas.openxmlformats.org/presentationml/2006/main">
+  <p:cSld>
+    <p:spTree>
+      <p:nvGrpSpPr>
+        <p:cNvPr id="1" name=""/>
+        <p:cNvGrpSpPr/>
+        <p:nvPr/>
+      </p:nvGrpSpPr>
+      <p:grpSpPr>
+        <a:xfrm>
+          <a:off x="0" y="0"/>
+          <a:ext cx="0" cy="0"/>
+          <a:chOff x="0" y="0"/>
+          <a:chExt cx="0" cy="0"/>
+        </a:xfrm>
+      </p:grpSpPr>
+      <p:sp>
+        <p:nvSpPr>
+          <p:cNvPr id="2" name="Title 1">
+            <a:extLst>
+              <a:ext uri="{FF2B5EF4-FFF2-40B4-BE49-F238E27FC236}">
+                <a16:creationId xmlns:a16="http://schemas.microsoft.com/office/drawing/2014/main" id="{6A4C11DC-7A08-47D0-A6E2-62A6EB20667F}"/>
+              </a:ext>
+            </a:extLst>
+          </p:cNvPr>
+          <p:cNvSpPr>
+            <a:spLocks noGrp="1"/>
+          </p:cNvSpPr>
+          <p:nvPr>
+            <p:ph type="title"/>
+          </p:nvPr>
+        </p:nvSpPr>
+        <p:spPr/>
+        <p:txBody>
+          <a:bodyPr/>
+          <a:lstStyle/>
+          <a:p>
+            <a:endParaRPr lang="en-IN"/>
+          </a:p>
+        </p:txBody>
+      </p:sp>
+      <p:sp>
+        <p:nvSpPr>
+          <p:cNvPr id="3" name="Content Placeholder 2">
+            <a:extLst>
+              <a:ext uri="{FF2B5EF4-FFF2-40B4-BE49-F238E27FC236}">
+                <a16:creationId xmlns:a16="http://schemas.microsoft.com/office/drawing/2014/main" id="{9DA56509-54FB-439B-A8C7-C9B242265E83}"/>
+              </a:ext>
+            </a:extLst>
+          </p:cNvPr>
+          <p:cNvSpPr>
+            <a:spLocks noGrp="1"/>
+          </p:cNvSpPr>
+          <p:nvPr>
+            <p:ph idx="1"/>
+          </p:nvPr>
+        </p:nvSpPr>
+        <p:spPr/>
+        <p:txBody>
+          <a:bodyPr/>
+          <a:lstStyle/>
+          <a:p>
+            <a:r>
+              <a:rPr lang="en-IN" dirty="0">
+                <a:hlinkClick r:id="rId2"/>
+              </a:rPr>
+              <a:t>Minimum-cost flow - Successive shortest path algorithm - Competitive Programming Algorithms (cp-algorithms.com)</a:t>
+            </a:r>
+            <a:endParaRPr lang="en-IN" dirty="0"/>
+          </a:p>
+          <a:p>
+            <a:r>
+              <a:rPr lang="en-IN" dirty="0">
+                <a:hlinkClick r:id="rId3"/>
+              </a:rPr>
+              <a:t>Maximum flow - Ford-Fulkerson and Edmonds-Karp - Competitive Programming Algorithms (cp-algorithms.com)</a:t>
+            </a:r>
+            <a:endParaRPr lang="en-IN" dirty="0"/>
+          </a:p>
+        </p:txBody>
+      </p:sp>
+    </p:spTree>
+    <p:extLst>
+      <p:ext uri="{BB962C8B-B14F-4D97-AF65-F5344CB8AC3E}">
+        <p14:creationId xmlns:p14="http://schemas.microsoft.com/office/powerpoint/2010/main" val="940519498"/>
+      </p:ext>
+    </p:extLst>
+  </p:cSld>
+  <p:clrMapOvr>
+    <a:masterClrMapping/>
+  </p:clrMapOvr>
+</p:sld>
+</file>
+
+<file path=ppt/slides/slide4.xml><?xml version="1.0" encoding="utf-8"?>
+<p:sld xmlns:a="http://schemas.openxmlformats.org/drawingml/2006/main" xmlns:r="http://schemas.openxmlformats.org/officeDocument/2006/relationships" xmlns:p="http://schemas.openxmlformats.org/presentationml/2006/main">
+  <p:cSld>
+    <p:spTree>
+      <p:nvGrpSpPr>
+        <p:cNvPr id="1" name=""/>
+        <p:cNvGrpSpPr/>
+        <p:nvPr/>
+      </p:nvGrpSpPr>
+      <p:grpSpPr>
+        <a:xfrm>
+          <a:off x="0" y="0"/>
+          <a:ext cx="0" cy="0"/>
+          <a:chOff x="0" y="0"/>
+          <a:chExt cx="0" cy="0"/>
+        </a:xfrm>
+      </p:grpSpPr>
+      <p:sp>
+        <p:nvSpPr>
+          <p:cNvPr id="2" name="Title 1">
+            <a:extLst>
+              <a:ext uri="{FF2B5EF4-FFF2-40B4-BE49-F238E27FC236}">
+                <a16:creationId xmlns:a16="http://schemas.microsoft.com/office/drawing/2014/main" id="{CFC94A45-051B-4F39-A528-0DA41334D237}"/>
+              </a:ext>
+            </a:extLst>
+          </p:cNvPr>
+          <p:cNvSpPr>
+            <a:spLocks noGrp="1"/>
+          </p:cNvSpPr>
+          <p:nvPr>
+            <p:ph type="title"/>
+          </p:nvPr>
+        </p:nvSpPr>
+        <p:spPr/>
+        <p:txBody>
+          <a:bodyPr/>
+          <a:lstStyle/>
+          <a:p>
+            <a:r>
+              <a:rPr lang="en-IN" dirty="0"/>
+              <a:t>Boost Prototype</a:t>
+            </a:r>
+          </a:p>
+        </p:txBody>
+      </p:sp>
+      <p:sp>
+        <p:nvSpPr>
+          <p:cNvPr id="3" name="Content Placeholder 2">
+            <a:extLst>
+              <a:ext uri="{FF2B5EF4-FFF2-40B4-BE49-F238E27FC236}">
+                <a16:creationId xmlns:a16="http://schemas.microsoft.com/office/drawing/2014/main" id="{AF4DA724-CD00-40C4-97F0-5810718F546E}"/>
+              </a:ext>
+            </a:extLst>
+          </p:cNvPr>
+          <p:cNvSpPr>
+            <a:spLocks noGrp="1"/>
+          </p:cNvSpPr>
+          <p:nvPr>
+            <p:ph idx="1"/>
+          </p:nvPr>
+        </p:nvSpPr>
+        <p:spPr/>
+        <p:txBody>
+          <a:bodyPr/>
+          <a:lstStyle/>
+          <a:p>
+            <a:r>
+              <a:rPr lang="en-IN" dirty="0"/>
+              <a:t>BGL – boost graph library - Steep learning curve</a:t>
+            </a:r>
+          </a:p>
+          <a:p>
+            <a:endParaRPr lang="en-IN" dirty="0"/>
+          </a:p>
+          <a:p>
+            <a:r>
+              <a:rPr lang="en-IN" dirty="0"/>
+              <a:t>Similar performance for small graphs</a:t>
+            </a:r>
+          </a:p>
+          <a:p>
+            <a:r>
+              <a:rPr lang="en-IN" dirty="0"/>
+              <a:t>Slower than python</a:t>
+            </a:r>
+          </a:p>
+          <a:p>
+            <a:r>
+              <a:rPr lang="en-IN" dirty="0"/>
+              <a:t>500 sources and 500 sinks : </a:t>
+            </a:r>
+          </a:p>
+          <a:p>
+            <a:pPr lvl="1"/>
+            <a:r>
+              <a:rPr lang="en-IN" dirty="0"/>
+              <a:t>280.86 seconds vs 60 seconds for Python</a:t>
+            </a:r>
+          </a:p>
+          <a:p>
+            <a:endParaRPr lang="en-IN" dirty="0"/>
+          </a:p>
+          <a:p>
+            <a:r>
+              <a:rPr lang="en-IN" dirty="0"/>
+              <a:t>C program should work significantly faster than python</a:t>
+            </a:r>
+          </a:p>
+          <a:p>
+            <a:endParaRPr lang="en-IN" dirty="0"/>
+          </a:p>
+        </p:txBody>
+      </p:sp>
+    </p:spTree>
+    <p:extLst>
+      <p:ext uri="{BB962C8B-B14F-4D97-AF65-F5344CB8AC3E}">
+        <p14:creationId xmlns:p14="http://schemas.microsoft.com/office/powerpoint/2010/main" val="3284269374"/>
+      </p:ext>
+    </p:extLst>
+  </p:cSld>
+  <p:clrMapOvr>
+    <a:masterClrMapping/>
+  </p:clrMapOvr>
+</p:sld>
+</file>
+
+<file path=ppt/slides/slide5.xml><?xml version="1.0" encoding="utf-8"?>
+<p:sld xmlns:a="http://schemas.openxmlformats.org/drawingml/2006/main" xmlns:r="http://schemas.openxmlformats.org/officeDocument/2006/relationships" xmlns:p="http://schemas.openxmlformats.org/presentationml/2006/main">
+  <p:cSld>
+    <p:bg>
+      <p:bgPr>
+        <a:solidFill>
+          <a:schemeClr val="bg1"/>
+        </a:solidFill>
+        <a:effectLst/>
+      </p:bgPr>
+    </p:bg>
+    <p:spTree>
+      <p:nvGrpSpPr>
+        <p:cNvPr id="1" name=""/>
+        <p:cNvGrpSpPr/>
+        <p:nvPr/>
+      </p:nvGrpSpPr>
+      <p:grpSpPr>
+        <a:xfrm>
+          <a:off x="0" y="0"/>
+          <a:ext cx="0" cy="0"/>
+          <a:chOff x="0" y="0"/>
+          <a:chExt cx="0" cy="0"/>
+        </a:xfrm>
+      </p:grpSpPr>
+      <p:sp>
+        <p:nvSpPr>
+          <p:cNvPr id="35" name="Rectangle 24">
+            <a:extLst>
+              <a:ext uri="{FF2B5EF4-FFF2-40B4-BE49-F238E27FC236}">
+                <a16:creationId xmlns:a16="http://schemas.microsoft.com/office/drawing/2014/main" id="{2B566528-1B12-4246-9431-5C2D7D081168}"/>
+              </a:ext>
+              <a:ext uri="{C183D7F6-B498-43B3-948B-1728B52AA6E4}">
+                <adec:decorative xmlns:adec="http://schemas.microsoft.com/office/drawing/2017/decorative" val="1"/>
+              </a:ext>
+            </a:extLst>
+          </p:cNvPr>
+          <p:cNvSpPr>
+            <a:spLocks noGrp="1" noRot="1" noChangeAspect="1" noMove="1" noResize="1" noEditPoints="1" noAdjustHandles="1" noChangeArrowheads="1" noChangeShapeType="1" noTextEdit="1"/>
+          </p:cNvSpPr>
+          <p:nvPr>
+            <p:extLst>
+              <p:ext uri="{386F3935-93C4-4BCD-93E2-E3B085C9AB24}">
+                <p16:designElem xmlns:p16="http://schemas.microsoft.com/office/powerpoint/2015/main" val="1"/>
+              </p:ext>
+            </p:extLst>
+          </p:nvPr>
+        </p:nvSpPr>
+        <p:spPr>
+          <a:xfrm>
+            <a:off x="0" y="0"/>
+            <a:ext cx="12192000" cy="6858000"/>
+          </a:xfrm>
+          <a:prstGeom prst="rect">
+            <a:avLst/>
+          </a:prstGeom>
+          <a:solidFill>
+            <a:schemeClr val="bg1"/>
+          </a:solidFill>
+          <a:ln>
+            <a:noFill/>
+          </a:ln>
+        </p:spPr>
+        <p:style>
+          <a:lnRef idx="2">
+            <a:schemeClr val="accent1">
+              <a:shade val="50000"/>
+            </a:schemeClr>
+          </a:lnRef>
+          <a:fillRef idx="1">
+            <a:schemeClr val="accent1"/>
+          </a:fillRef>
+          <a:effectRef idx="0">
+            <a:schemeClr val="accent1"/>
+          </a:effectRef>
+          <a:fontRef idx="minor">
+            <a:schemeClr val="lt1"/>
+          </a:fontRef>
+        </p:style>
+        <p:txBody>
+          <a:bodyPr rtlCol="0" anchor="ctr"/>
+          <a:lstStyle/>
+          <a:p>
+            <a:pPr algn="ctr"/>
+            <a:endParaRPr lang="en-US" dirty="0"/>
+          </a:p>
+        </p:txBody>
+      </p:sp>
+      <p:grpSp>
+        <p:nvGrpSpPr>
+          <p:cNvPr id="36" name="Group 26">
+            <a:extLst>
+              <a:ext uri="{FF2B5EF4-FFF2-40B4-BE49-F238E27FC236}">
+                <a16:creationId xmlns:a16="http://schemas.microsoft.com/office/drawing/2014/main" id="{287F69AB-2350-44E3-9076-00265B93F313}"/>
+              </a:ext>
+              <a:ext uri="{C183D7F6-B498-43B3-948B-1728B52AA6E4}">
+                <adec:decorative xmlns:adec="http://schemas.microsoft.com/office/drawing/2017/decorative" val="1"/>
+              </a:ext>
+            </a:extLst>
+          </p:cNvPr>
+          <p:cNvGrpSpPr>
+            <a:grpSpLocks noGrp="1" noUngrp="1" noRot="1" noChangeAspect="1" noMove="1" noResize="1"/>
+          </p:cNvGrpSpPr>
+          <p:nvPr>
+            <p:extLst>
+              <p:ext uri="{386F3935-93C4-4BCD-93E2-E3B085C9AB24}">
+                <p16:designElem xmlns:p16="http://schemas.microsoft.com/office/powerpoint/2015/main" val="1"/>
+              </p:ext>
+            </p:extLst>
+          </p:nvPr>
+        </p:nvGrpSpPr>
+        <p:grpSpPr>
+          <a:xfrm flipH="1">
+            <a:off x="0" y="1"/>
+            <a:ext cx="972709" cy="1935307"/>
+            <a:chOff x="10918968" y="713127"/>
+            <a:chExt cx="1273032" cy="2532832"/>
+          </a:xfrm>
+        </p:grpSpPr>
+        <p:sp>
+          <p:nvSpPr>
+            <p:cNvPr id="37" name="Rectangle 27">
+              <a:extLst>
+                <a:ext uri="{FF2B5EF4-FFF2-40B4-BE49-F238E27FC236}">
+                  <a16:creationId xmlns:a16="http://schemas.microsoft.com/office/drawing/2014/main" id="{D70652AA-1C81-481C-856B-90371437540F}"/>
+                </a:ext>
+                <a:ext uri="{C183D7F6-B498-43B3-948B-1728B52AA6E4}">
+                  <adec:decorative xmlns:adec="http://schemas.microsoft.com/office/drawing/2017/decorative" val="1"/>
+                </a:ext>
+              </a:extLst>
+            </p:cNvPr>
+            <p:cNvSpPr/>
+            <p:nvPr>
+              <p:extLst>
+                <p:ext uri="{386F3935-93C4-4BCD-93E2-E3B085C9AB24}">
+                  <p16:designElem xmlns:p16="http://schemas.microsoft.com/office/powerpoint/2015/main" val="1"/>
+                </p:ext>
+              </p:extLst>
+            </p:nvPr>
+          </p:nvSpPr>
+          <p:spPr>
+            <a:xfrm rot="2700000">
+              <a:off x="11052629" y="2120024"/>
+              <a:ext cx="645368" cy="645368"/>
+            </a:xfrm>
+            <a:prstGeom prst="rect">
+              <a:avLst/>
+            </a:prstGeom>
+            <a:solidFill>
+              <a:schemeClr val="accent4">
+                <a:alpha val="30000"/>
+              </a:schemeClr>
+            </a:solidFill>
+            <a:ln>
+              <a:noFill/>
+            </a:ln>
+          </p:spPr>
+          <p:style>
+            <a:lnRef idx="2">
+              <a:schemeClr val="accent1">
+                <a:shade val="50000"/>
+              </a:schemeClr>
+            </a:lnRef>
+            <a:fillRef idx="1">
+              <a:schemeClr val="accent1"/>
+            </a:fillRef>
+            <a:effectRef idx="0">
+              <a:schemeClr val="accent1"/>
+            </a:effectRef>
+            <a:fontRef idx="minor">
+              <a:schemeClr val="lt1"/>
+            </a:fontRef>
+          </p:style>
+          <p:txBody>
+            <a:bodyPr rtlCol="0" anchor="ctr"/>
+            <a:lstStyle/>
+            <a:p>
+              <a:pPr algn="ctr"/>
+              <a:endParaRPr lang="en-US"/>
+            </a:p>
+          </p:txBody>
+        </p:sp>
+        <p:sp>
+          <p:nvSpPr>
+            <p:cNvPr id="38" name="Isosceles Triangle 28">
+              <a:extLst>
+                <a:ext uri="{FF2B5EF4-FFF2-40B4-BE49-F238E27FC236}">
+                  <a16:creationId xmlns:a16="http://schemas.microsoft.com/office/drawing/2014/main" id="{A2FF99B6-37BA-4650-B01D-799F02E31EB7}"/>
+                </a:ext>
+                <a:ext uri="{C183D7F6-B498-43B3-948B-1728B52AA6E4}">
+                  <adec:decorative xmlns:adec="http://schemas.microsoft.com/office/drawing/2017/decorative" val="1"/>
+                </a:ext>
+              </a:extLst>
+            </p:cNvPr>
+            <p:cNvSpPr/>
+            <p:nvPr>
+              <p:extLst>
+                <p:ext uri="{386F3935-93C4-4BCD-93E2-E3B085C9AB24}">
+                  <p16:designElem xmlns:p16="http://schemas.microsoft.com/office/powerpoint/2015/main" val="1"/>
+                </p:ext>
+              </p:extLst>
+            </p:nvPr>
+          </p:nvSpPr>
+          <p:spPr>
+            <a:xfrm rot="16200000">
+              <a:off x="10289068" y="1343027"/>
+              <a:ext cx="2532832" cy="1273032"/>
+            </a:xfrm>
+            <a:prstGeom prst="triangle">
+              <a:avLst>
+                <a:gd name="adj" fmla="val 50000"/>
+              </a:avLst>
+            </a:prstGeom>
+            <a:solidFill>
+              <a:schemeClr val="accent4">
+                <a:alpha val="30000"/>
+              </a:schemeClr>
+            </a:solidFill>
+            <a:ln>
+              <a:noFill/>
+            </a:ln>
+          </p:spPr>
+          <p:style>
+            <a:lnRef idx="2">
+              <a:schemeClr val="accent1">
+                <a:shade val="50000"/>
+              </a:schemeClr>
+            </a:lnRef>
+            <a:fillRef idx="1">
+              <a:schemeClr val="accent1"/>
+            </a:fillRef>
+            <a:effectRef idx="0">
+              <a:schemeClr val="accent1"/>
+            </a:effectRef>
+            <a:fontRef idx="minor">
+              <a:schemeClr val="lt1"/>
+            </a:fontRef>
+          </p:style>
+          <p:txBody>
+            <a:bodyPr rtlCol="0" anchor="ctr"/>
+            <a:lstStyle/>
+            <a:p>
+              <a:pPr algn="ctr"/>
+              <a:endParaRPr lang="en-US" dirty="0"/>
+            </a:p>
+          </p:txBody>
+        </p:sp>
+      </p:grpSp>
+      <p:sp>
+        <p:nvSpPr>
+          <p:cNvPr id="2" name="Title 1">
+            <a:extLst>
+              <a:ext uri="{FF2B5EF4-FFF2-40B4-BE49-F238E27FC236}">
+                <a16:creationId xmlns:a16="http://schemas.microsoft.com/office/drawing/2014/main" id="{064D3C95-C5D2-4883-A4FC-CF67C330DA17}"/>
+              </a:ext>
+            </a:extLst>
+          </p:cNvPr>
+          <p:cNvSpPr>
+            <a:spLocks noGrp="1"/>
+          </p:cNvSpPr>
+          <p:nvPr>
+            <p:ph type="title"/>
+          </p:nvPr>
+        </p:nvSpPr>
+        <p:spPr>
+          <a:xfrm>
+            <a:off x="643467" y="321734"/>
+            <a:ext cx="10905066" cy="1135737"/>
+          </a:xfrm>
+        </p:spPr>
+        <p:txBody>
+          <a:bodyPr>
+            <a:normAutofit/>
+          </a:bodyPr>
+          <a:lstStyle/>
+          <a:p>
+            <a:r>
+              <a:rPr lang="en-IN" sz="3600"/>
+              <a:t>Performance analysis of BGL</a:t>
+            </a:r>
+          </a:p>
+        </p:txBody>
+      </p:sp>
+      <p:pic>
+        <p:nvPicPr>
+          <p:cNvPr id="7" name="Picture 6" descr="Text, letter&#10;&#10;Description automatically generated">
+            <a:extLst>
+              <a:ext uri="{FF2B5EF4-FFF2-40B4-BE49-F238E27FC236}">
+                <a16:creationId xmlns:a16="http://schemas.microsoft.com/office/drawing/2014/main" id="{32B47DB3-DDEF-4640-8DB5-A688CF183C7F}"/>
+              </a:ext>
+            </a:extLst>
+          </p:cNvPr>
+          <p:cNvPicPr>
+            <a:picLocks noChangeAspect="1"/>
+          </p:cNvPicPr>
+          <p:nvPr/>
+        </p:nvPicPr>
+        <p:blipFill>
+          <a:blip r:embed="rId2"/>
+          <a:stretch>
+            <a:fillRect/>
+          </a:stretch>
+        </p:blipFill>
+        <p:spPr>
+          <a:xfrm>
+            <a:off x="1424940" y="2084141"/>
+            <a:ext cx="4149400" cy="1763495"/>
+          </a:xfrm>
+          <a:prstGeom prst="rect">
+            <a:avLst/>
+          </a:prstGeom>
+        </p:spPr>
+      </p:pic>
+      <p:pic>
+        <p:nvPicPr>
+          <p:cNvPr id="5" name="Content Placeholder 4" descr="Chart, line chart, scatter chart&#10;&#10;Description automatically generated">
+            <a:extLst>
+              <a:ext uri="{FF2B5EF4-FFF2-40B4-BE49-F238E27FC236}">
+                <a16:creationId xmlns:a16="http://schemas.microsoft.com/office/drawing/2014/main" id="{8E494ABB-A39F-4EAA-A4DA-97E92899A0E5}"/>
+              </a:ext>
+            </a:extLst>
+          </p:cNvPr>
+          <p:cNvPicPr>
+            <a:picLocks noChangeAspect="1"/>
+          </p:cNvPicPr>
+          <p:nvPr/>
+        </p:nvPicPr>
+        <p:blipFill>
+          <a:blip r:embed="rId3"/>
+          <a:stretch>
+            <a:fillRect/>
+          </a:stretch>
+        </p:blipFill>
+        <p:spPr>
+          <a:xfrm>
+            <a:off x="934062" y="4060406"/>
+            <a:ext cx="5672021" cy="2084467"/>
+          </a:xfrm>
+          <a:prstGeom prst="rect">
+            <a:avLst/>
+          </a:prstGeom>
+        </p:spPr>
+      </p:pic>
+      <p:sp>
+        <p:nvSpPr>
+          <p:cNvPr id="9" name="Content Placeholder 8">
+            <a:extLst>
+              <a:ext uri="{FF2B5EF4-FFF2-40B4-BE49-F238E27FC236}">
+                <a16:creationId xmlns:a16="http://schemas.microsoft.com/office/drawing/2014/main" id="{6B3B60BC-F351-45CA-9575-BD3EF6CB8D9D}"/>
+              </a:ext>
+            </a:extLst>
+          </p:cNvPr>
+          <p:cNvSpPr>
+            <a:spLocks noGrp="1"/>
+          </p:cNvSpPr>
+          <p:nvPr>
+            <p:ph idx="1"/>
+          </p:nvPr>
+        </p:nvSpPr>
+        <p:spPr>
+          <a:xfrm>
+            <a:off x="7544052" y="1782981"/>
+            <a:ext cx="4004479" cy="4393982"/>
+          </a:xfrm>
+        </p:spPr>
+        <p:txBody>
+          <a:bodyPr>
+            <a:normAutofit/>
+          </a:bodyPr>
+          <a:lstStyle/>
+          <a:p>
+            <a:r>
+              <a:rPr lang="en-US" sz="2000" dirty="0"/>
+              <a:t>Boost Graph Library is highly inefficient </a:t>
+            </a:r>
+          </a:p>
+          <a:p>
+            <a:r>
+              <a:rPr lang="en-US" sz="2000" dirty="0"/>
+              <a:t>LEDA – commercial library for network analysis performs better than BGL</a:t>
+            </a:r>
+          </a:p>
+          <a:p>
+            <a:r>
+              <a:rPr lang="en-US" sz="2000" dirty="0"/>
+              <a:t>LEMON – open-source library performs better than both</a:t>
+            </a:r>
+          </a:p>
+        </p:txBody>
+      </p:sp>
+      <p:grpSp>
+        <p:nvGrpSpPr>
+          <p:cNvPr id="39" name="Group 30">
+            <a:extLst>
+              <a:ext uri="{FF2B5EF4-FFF2-40B4-BE49-F238E27FC236}">
+                <a16:creationId xmlns:a16="http://schemas.microsoft.com/office/drawing/2014/main" id="{3EA7D759-6BEF-4CBD-A325-BCFA77832B3F}"/>
+              </a:ext>
+              <a:ext uri="{C183D7F6-B498-43B3-948B-1728B52AA6E4}">
+                <adec:decorative xmlns:adec="http://schemas.microsoft.com/office/drawing/2017/decorative" val="1"/>
+              </a:ext>
+            </a:extLst>
+          </p:cNvPr>
+          <p:cNvGrpSpPr>
+            <a:grpSpLocks noGrp="1" noUngrp="1" noRot="1" noChangeAspect="1" noMove="1" noResize="1"/>
+          </p:cNvGrpSpPr>
+          <p:nvPr>
+            <p:extLst>
+              <p:ext uri="{386F3935-93C4-4BCD-93E2-E3B085C9AB24}">
+                <p16:designElem xmlns:p16="http://schemas.microsoft.com/office/powerpoint/2015/main" val="1"/>
+              </p:ext>
+            </p:extLst>
+          </p:nvPr>
+        </p:nvGrpSpPr>
+        <p:grpSpPr>
+          <a:xfrm>
+            <a:off x="11177940" y="4601497"/>
+            <a:ext cx="1014060" cy="2017580"/>
+            <a:chOff x="11177940" y="4601497"/>
+            <a:chExt cx="1014060" cy="2017580"/>
+          </a:xfrm>
+        </p:grpSpPr>
+        <p:sp>
+          <p:nvSpPr>
+            <p:cNvPr id="40" name="Isosceles Triangle 31">
+              <a:extLst>
+                <a:ext uri="{FF2B5EF4-FFF2-40B4-BE49-F238E27FC236}">
+                  <a16:creationId xmlns:a16="http://schemas.microsoft.com/office/drawing/2014/main" id="{317405EC-53E3-473A-8B42-B9475D057B66}"/>
+                </a:ext>
+                <a:ext uri="{C183D7F6-B498-43B3-948B-1728B52AA6E4}">
+                  <adec:decorative xmlns:adec="http://schemas.microsoft.com/office/drawing/2017/decorative" val="1"/>
+                </a:ext>
+              </a:extLst>
+            </p:cNvPr>
+            <p:cNvSpPr/>
+            <p:nvPr>
+              <p:extLst>
+                <p:ext uri="{386F3935-93C4-4BCD-93E2-E3B085C9AB24}">
+                  <p16:designElem xmlns:p16="http://schemas.microsoft.com/office/powerpoint/2015/main" val="1"/>
+                </p:ext>
+              </p:extLst>
+            </p:nvPr>
+          </p:nvSpPr>
+          <p:spPr>
+            <a:xfrm rot="16200000" flipH="1">
+              <a:off x="10676180" y="5103257"/>
+              <a:ext cx="2017580" cy="1014060"/>
+            </a:xfrm>
+            <a:prstGeom prst="triangle">
+              <a:avLst>
+                <a:gd name="adj" fmla="val 50000"/>
+              </a:avLst>
+            </a:prstGeom>
+            <a:solidFill>
+              <a:schemeClr val="accent1">
+                <a:alpha val="30000"/>
+              </a:schemeClr>
+            </a:solidFill>
+            <a:ln>
+              <a:noFill/>
+            </a:ln>
+          </p:spPr>
+          <p:style>
+            <a:lnRef idx="2">
+              <a:schemeClr val="accent1">
+                <a:shade val="50000"/>
+              </a:schemeClr>
+            </a:lnRef>
+            <a:fillRef idx="1">
+              <a:schemeClr val="accent1"/>
+            </a:fillRef>
+            <a:effectRef idx="0">
+              <a:schemeClr val="accent1"/>
+            </a:effectRef>
+            <a:fontRef idx="minor">
+              <a:schemeClr val="lt1"/>
+            </a:fontRef>
+          </p:style>
+          <p:txBody>
+            <a:bodyPr rtlCol="0" anchor="ctr"/>
+            <a:lstStyle/>
+            <a:p>
+              <a:pPr algn="ctr"/>
+              <a:endParaRPr lang="en-US"/>
+            </a:p>
+          </p:txBody>
+        </p:sp>
+        <p:sp>
+          <p:nvSpPr>
+            <p:cNvPr id="41" name="Rectangle 32">
+              <a:extLst>
+                <a:ext uri="{FF2B5EF4-FFF2-40B4-BE49-F238E27FC236}">
+                  <a16:creationId xmlns:a16="http://schemas.microsoft.com/office/drawing/2014/main" id="{C03F2370-11B5-4E16-8AE5-B4854408B401}"/>
+                </a:ext>
+                <a:ext uri="{C183D7F6-B498-43B3-948B-1728B52AA6E4}">
+                  <adec:decorative xmlns:adec="http://schemas.microsoft.com/office/drawing/2017/decorative" val="1"/>
+                </a:ext>
+              </a:extLst>
+            </p:cNvPr>
+            <p:cNvSpPr/>
+            <p:nvPr>
+              <p:extLst>
+                <p:ext uri="{386F3935-93C4-4BCD-93E2-E3B085C9AB24}">
+                  <p16:designElem xmlns:p16="http://schemas.microsoft.com/office/powerpoint/2015/main" val="1"/>
+                </p:ext>
+              </p:extLst>
+            </p:nvPr>
+          </p:nvSpPr>
+          <p:spPr>
+            <a:xfrm rot="2700000">
+              <a:off x="11278506" y="5728708"/>
+              <a:ext cx="485578" cy="485578"/>
+            </a:xfrm>
+            <a:prstGeom prst="rect">
+              <a:avLst/>
+            </a:prstGeom>
+            <a:solidFill>
+              <a:schemeClr val="accent1">
+                <a:alpha val="30000"/>
+              </a:schemeClr>
+            </a:solidFill>
+            <a:ln>
+              <a:noFill/>
+            </a:ln>
+          </p:spPr>
+          <p:style>
+            <a:lnRef idx="2">
+              <a:schemeClr val="accent1">
+                <a:shade val="50000"/>
+              </a:schemeClr>
+            </a:lnRef>
+            <a:fillRef idx="1">
+              <a:schemeClr val="accent1"/>
+            </a:fillRef>
+            <a:effectRef idx="0">
+              <a:schemeClr val="accent1"/>
+            </a:effectRef>
+            <a:fontRef idx="minor">
+              <a:schemeClr val="lt1"/>
+            </a:fontRef>
+          </p:style>
+          <p:txBody>
+            <a:bodyPr rtlCol="0" anchor="ctr"/>
+            <a:lstStyle/>
+            <a:p>
+              <a:pPr algn="ctr"/>
+              <a:endParaRPr lang="en-US"/>
+            </a:p>
+          </p:txBody>
+        </p:sp>
+      </p:grpSp>
+    </p:spTree>
+    <p:extLst>
+      <p:ext uri="{BB962C8B-B14F-4D97-AF65-F5344CB8AC3E}">
+        <p14:creationId xmlns:p14="http://schemas.microsoft.com/office/powerpoint/2010/main" val="3679917946"/>
+      </p:ext>
+    </p:extLst>
+  </p:cSld>
+  <p:clrMapOvr>
+    <a:masterClrMapping/>
+  </p:clrMapOvr>
+</p:sld>
+</file>
+
+<file path=ppt/slides/slide6.xml><?xml version="1.0" encoding="utf-8"?>
+<p:sld xmlns:a="http://schemas.openxmlformats.org/drawingml/2006/main" xmlns:r="http://schemas.openxmlformats.org/officeDocument/2006/relationships" xmlns:p="http://schemas.openxmlformats.org/presentationml/2006/main">
+  <p:cSld>
+    <p:bg>
+      <p:bgPr>
+        <a:solidFill>
+          <a:schemeClr val="bg1"/>
+        </a:solidFill>
+        <a:effectLst/>
+      </p:bgPr>
+    </p:bg>
+    <p:spTree>
+      <p:nvGrpSpPr>
+        <p:cNvPr id="1" name=""/>
+        <p:cNvGrpSpPr/>
+        <p:nvPr/>
+      </p:nvGrpSpPr>
+      <p:grpSpPr>
+        <a:xfrm>
+          <a:off x="0" y="0"/>
+          <a:ext cx="0" cy="0"/>
+          <a:chOff x="0" y="0"/>
+          <a:chExt cx="0" cy="0"/>
+        </a:xfrm>
+      </p:grpSpPr>
+      <p:sp useBgFill="1">
+        <p:nvSpPr>
+          <p:cNvPr id="27" name="Rectangle 18">
+            <a:extLst>
+              <a:ext uri="{FF2B5EF4-FFF2-40B4-BE49-F238E27FC236}">
+                <a16:creationId xmlns:a16="http://schemas.microsoft.com/office/drawing/2014/main" id="{1A95671B-3CC6-4792-9114-B74FAEA224E6}"/>
+              </a:ext>
+              <a:ext uri="{C183D7F6-B498-43B3-948B-1728B52AA6E4}">
+                <adec:decorative xmlns:adec="http://schemas.microsoft.com/office/drawing/2017/decorative" val="1"/>
+              </a:ext>
+            </a:extLst>
+          </p:cNvPr>
+          <p:cNvSpPr>
+            <a:spLocks noGrp="1" noRot="1" noChangeAspect="1" noMove="1" noResize="1" noEditPoints="1" noAdjustHandles="1" noChangeArrowheads="1" noChangeShapeType="1" noTextEdit="1"/>
+          </p:cNvSpPr>
+          <p:nvPr>
+            <p:extLst>
+              <p:ext uri="{386F3935-93C4-4BCD-93E2-E3B085C9AB24}">
+                <p16:designElem xmlns:p16="http://schemas.microsoft.com/office/powerpoint/2015/main" val="1"/>
+              </p:ext>
+            </p:extLst>
+          </p:nvPr>
+        </p:nvSpPr>
+        <p:spPr>
+          <a:xfrm>
+            <a:off x="0" y="0"/>
+            <a:ext cx="12188952" cy="6858000"/>
+          </a:xfrm>
+          <a:prstGeom prst="rect">
+            <a:avLst/>
+          </a:prstGeom>
+          <a:ln>
+            <a:noFill/>
+          </a:ln>
+        </p:spPr>
+        <p:style>
+          <a:lnRef idx="2">
+            <a:schemeClr val="accent1">
+              <a:shade val="50000"/>
+            </a:schemeClr>
+          </a:lnRef>
+          <a:fillRef idx="1">
+            <a:schemeClr val="accent1"/>
+          </a:fillRef>
+          <a:effectRef idx="0">
+            <a:schemeClr val="accent1"/>
+          </a:effectRef>
+          <a:fontRef idx="minor">
+            <a:schemeClr val="lt1"/>
+          </a:fontRef>
+        </p:style>
+        <p:txBody>
+          <a:bodyPr rtlCol="0" anchor="ctr"/>
+          <a:lstStyle/>
+          <a:p>
+            <a:pPr algn="ctr"/>
+            <a:endParaRPr lang="en-US"/>
+          </a:p>
+        </p:txBody>
+      </p:sp>
+      <p:sp>
+        <p:nvSpPr>
+          <p:cNvPr id="2" name="Title 1">
+            <a:extLst>
+              <a:ext uri="{FF2B5EF4-FFF2-40B4-BE49-F238E27FC236}">
+                <a16:creationId xmlns:a16="http://schemas.microsoft.com/office/drawing/2014/main" id="{97ECD0B8-182C-4D24-86EA-FF8C10130D84}"/>
+              </a:ext>
+            </a:extLst>
+          </p:cNvPr>
+          <p:cNvSpPr>
+            <a:spLocks noGrp="1"/>
+          </p:cNvSpPr>
+          <p:nvPr>
+            <p:ph type="title"/>
+          </p:nvPr>
+        </p:nvSpPr>
+        <p:spPr>
+          <a:xfrm>
+            <a:off x="1008184" y="174032"/>
+            <a:ext cx="10175631" cy="1111843"/>
+          </a:xfrm>
+        </p:spPr>
+        <p:txBody>
+          <a:bodyPr anchor="ctr">
+            <a:normAutofit/>
+          </a:bodyPr>
+          <a:lstStyle/>
+          <a:p>
+            <a:pPr algn="ctr"/>
+            <a:r>
+              <a:rPr lang="en-IN" sz="4000" dirty="0"/>
+              <a:t>Other options for MCMF</a:t>
+            </a:r>
+          </a:p>
+        </p:txBody>
+      </p:sp>
+      <p:sp>
+        <p:nvSpPr>
+          <p:cNvPr id="7" name="Content Placeholder 6">
+            <a:extLst>
+              <a:ext uri="{FF2B5EF4-FFF2-40B4-BE49-F238E27FC236}">
+                <a16:creationId xmlns:a16="http://schemas.microsoft.com/office/drawing/2014/main" id="{7BDDDE24-5E76-452D-BFDC-BE73E3D81DE7}"/>
+              </a:ext>
+            </a:extLst>
+          </p:cNvPr>
+          <p:cNvSpPr>
+            <a:spLocks noGrp="1"/>
+          </p:cNvSpPr>
+          <p:nvPr>
+            <p:ph idx="1"/>
+          </p:nvPr>
+        </p:nvSpPr>
+        <p:spPr>
+          <a:xfrm>
+            <a:off x="1008184" y="1459906"/>
+            <a:ext cx="10320216" cy="1836331"/>
+          </a:xfrm>
+        </p:spPr>
+        <p:txBody>
+          <a:bodyPr anchor="ctr">
+            <a:normAutofit/>
+          </a:bodyPr>
+          <a:lstStyle/>
+          <a:p>
+            <a:r>
+              <a:rPr lang="en-US" sz="1600" dirty="0">
+                <a:hlinkClick r:id="rId2"/>
+              </a:rPr>
+              <a:t>Minimum-cost flow algorithms: an experimental evaluation: Optimization Methods and Software: Vol 30, No 1 (tandfonline.com)</a:t>
+            </a:r>
+            <a:endParaRPr lang="en-US" sz="1600" dirty="0"/>
+          </a:p>
+          <a:p>
+            <a:r>
+              <a:rPr lang="en-US" sz="1600" dirty="0"/>
+              <a:t>Performed Similar analysis on all algorithms available for MCMF</a:t>
+            </a:r>
+          </a:p>
+          <a:p>
+            <a:r>
+              <a:rPr lang="en-US" sz="1600" dirty="0"/>
+              <a:t>Then came up with Own implementation</a:t>
+            </a:r>
+          </a:p>
+        </p:txBody>
+      </p:sp>
+      <p:pic>
+        <p:nvPicPr>
+          <p:cNvPr id="18" name="Content Placeholder 4">
+            <a:extLst>
+              <a:ext uri="{FF2B5EF4-FFF2-40B4-BE49-F238E27FC236}">
+                <a16:creationId xmlns:a16="http://schemas.microsoft.com/office/drawing/2014/main" id="{DF05C02D-D3D2-4C43-BFCD-E1D6553D95CF}"/>
+              </a:ext>
+            </a:extLst>
+          </p:cNvPr>
+          <p:cNvPicPr>
+            <a:picLocks noChangeAspect="1"/>
+          </p:cNvPicPr>
+          <p:nvPr/>
+        </p:nvPicPr>
+        <p:blipFill>
+          <a:blip r:embed="rId3"/>
+          <a:stretch>
+            <a:fillRect/>
+          </a:stretch>
+        </p:blipFill>
+        <p:spPr>
+          <a:xfrm>
+            <a:off x="836679" y="3296238"/>
+            <a:ext cx="9607802" cy="2714203"/>
+          </a:xfrm>
+          <a:prstGeom prst="rect">
+            <a:avLst/>
+          </a:prstGeom>
+        </p:spPr>
+      </p:pic>
+    </p:spTree>
+    <p:extLst>
+      <p:ext uri="{BB962C8B-B14F-4D97-AF65-F5344CB8AC3E}">
+        <p14:creationId xmlns:p14="http://schemas.microsoft.com/office/powerpoint/2010/main" val="576660726"/>
+      </p:ext>
+    </p:extLst>
+  </p:cSld>
+  <p:clrMapOvr>
+    <a:masterClrMapping/>
+  </p:clrMapOvr>
+</p:sld>
+</file>
+
+<file path=ppt/slides/slide7.xml><?xml version="1.0" encoding="utf-8"?>
+<p:sld xmlns:a="http://schemas.openxmlformats.org/drawingml/2006/main" xmlns:r="http://schemas.openxmlformats.org/officeDocument/2006/relationships" xmlns:p="http://schemas.openxmlformats.org/presentationml/2006/main">
+  <p:cSld>
+    <p:bg>
+      <p:bgPr>
+        <a:solidFill>
+          <a:schemeClr val="bg1"/>
+        </a:solidFill>
+        <a:effectLst/>
+      </p:bgPr>
+    </p:bg>
+    <p:spTree>
+      <p:nvGrpSpPr>
+        <p:cNvPr id="1" name=""/>
+        <p:cNvGrpSpPr/>
+        <p:nvPr/>
+      </p:nvGrpSpPr>
+      <p:grpSpPr>
+        <a:xfrm>
+          <a:off x="0" y="0"/>
+          <a:ext cx="0" cy="0"/>
+          <a:chOff x="0" y="0"/>
+          <a:chExt cx="0" cy="0"/>
+        </a:xfrm>
+      </p:grpSpPr>
+      <p:sp>
+        <p:nvSpPr>
+          <p:cNvPr id="12" name="Rectangle 11">
+            <a:extLst>
+              <a:ext uri="{FF2B5EF4-FFF2-40B4-BE49-F238E27FC236}">
+                <a16:creationId xmlns:a16="http://schemas.microsoft.com/office/drawing/2014/main" id="{2B566528-1B12-4246-9431-5C2D7D081168}"/>
+              </a:ext>
+              <a:ext uri="{C183D7F6-B498-43B3-948B-1728B52AA6E4}">
+                <adec:decorative xmlns:adec="http://schemas.microsoft.com/office/drawing/2017/decorative" val="1"/>
+              </a:ext>
+            </a:extLst>
+          </p:cNvPr>
+          <p:cNvSpPr>
+            <a:spLocks noGrp="1" noRot="1" noChangeAspect="1" noMove="1" noResize="1" noEditPoints="1" noAdjustHandles="1" noChangeArrowheads="1" noChangeShapeType="1" noTextEdit="1"/>
+          </p:cNvSpPr>
+          <p:nvPr>
+            <p:extLst>
+              <p:ext uri="{386F3935-93C4-4BCD-93E2-E3B085C9AB24}">
+                <p16:designElem xmlns:p16="http://schemas.microsoft.com/office/powerpoint/2015/main" val="1"/>
+              </p:ext>
+            </p:extLst>
+          </p:nvPr>
+        </p:nvSpPr>
+        <p:spPr>
+          <a:xfrm>
+            <a:off x="0" y="0"/>
+            <a:ext cx="12192000" cy="6858000"/>
+          </a:xfrm>
+          <a:prstGeom prst="rect">
+            <a:avLst/>
+          </a:prstGeom>
+          <a:solidFill>
+            <a:schemeClr val="bg1"/>
+          </a:solidFill>
+          <a:ln>
+            <a:noFill/>
+          </a:ln>
+        </p:spPr>
+        <p:style>
+          <a:lnRef idx="2">
+            <a:schemeClr val="accent1">
+              <a:shade val="50000"/>
+            </a:schemeClr>
+          </a:lnRef>
+          <a:fillRef idx="1">
+            <a:schemeClr val="accent1"/>
+          </a:fillRef>
+          <a:effectRef idx="0">
+            <a:schemeClr val="accent1"/>
+          </a:effectRef>
+          <a:fontRef idx="minor">
+            <a:schemeClr val="lt1"/>
+          </a:fontRef>
+        </p:style>
+        <p:txBody>
+          <a:bodyPr rtlCol="0" anchor="ctr"/>
+          <a:lstStyle/>
+          <a:p>
+            <a:pPr algn="ctr"/>
+            <a:endParaRPr lang="en-US" dirty="0"/>
+          </a:p>
+        </p:txBody>
+      </p:sp>
+      <p:sp>
+        <p:nvSpPr>
+          <p:cNvPr id="2" name="Title 1">
+            <a:extLst>
+              <a:ext uri="{FF2B5EF4-FFF2-40B4-BE49-F238E27FC236}">
+                <a16:creationId xmlns:a16="http://schemas.microsoft.com/office/drawing/2014/main" id="{9F2855E5-F7DB-4240-B381-D760B4E7E70F}"/>
+              </a:ext>
+            </a:extLst>
+          </p:cNvPr>
+          <p:cNvSpPr>
+            <a:spLocks noGrp="1"/>
+          </p:cNvSpPr>
+          <p:nvPr>
+            <p:ph type="title"/>
+          </p:nvPr>
+        </p:nvSpPr>
+        <p:spPr>
+          <a:xfrm>
+            <a:off x="643467" y="321734"/>
+            <a:ext cx="10905066" cy="1135737"/>
+          </a:xfrm>
+        </p:spPr>
+        <p:txBody>
+          <a:bodyPr>
+            <a:normAutofit/>
+          </a:bodyPr>
+          <a:lstStyle/>
+          <a:p>
+            <a:r>
+              <a:rPr lang="en-IN" sz="3600"/>
+              <a:t>LEMON Library</a:t>
+            </a:r>
+          </a:p>
+        </p:txBody>
+      </p:sp>
+      <p:sp>
+        <p:nvSpPr>
+          <p:cNvPr id="9" name="Content Placeholder 8">
+            <a:extLst>
+              <a:ext uri="{FF2B5EF4-FFF2-40B4-BE49-F238E27FC236}">
+                <a16:creationId xmlns:a16="http://schemas.microsoft.com/office/drawing/2014/main" id="{5524C0B3-0DD5-418E-9B29-491D984F47B1}"/>
+              </a:ext>
+            </a:extLst>
+          </p:cNvPr>
+          <p:cNvSpPr>
+            <a:spLocks noGrp="1"/>
+          </p:cNvSpPr>
+          <p:nvPr>
+            <p:ph idx="1"/>
+          </p:nvPr>
+        </p:nvSpPr>
+        <p:spPr>
+          <a:xfrm>
+            <a:off x="643469" y="1782981"/>
+            <a:ext cx="4008384" cy="4393982"/>
+          </a:xfrm>
+        </p:spPr>
+        <p:txBody>
+          <a:bodyPr>
+            <a:normAutofit/>
+          </a:bodyPr>
+          <a:lstStyle/>
+          <a:p>
+            <a:r>
+              <a:rPr lang="en-US" sz="2000" dirty="0"/>
+              <a:t>Library for Efficient Modeling and Optimization in Networks.</a:t>
+            </a:r>
+          </a:p>
+          <a:p>
+            <a:r>
+              <a:rPr lang="en-US" sz="2000" dirty="0"/>
+              <a:t>Compactible with Boost</a:t>
+            </a:r>
+          </a:p>
+          <a:p>
+            <a:r>
+              <a:rPr lang="en-US" sz="2000" dirty="0"/>
+              <a:t>4 Different Algorithms for MCMF</a:t>
+            </a:r>
+          </a:p>
+          <a:p>
+            <a:r>
+              <a:rPr lang="en-US" sz="2000" dirty="0"/>
+              <a:t>More efficient than BGL</a:t>
+            </a:r>
+          </a:p>
+          <a:p>
+            <a:endParaRPr lang="en-US" sz="2000" dirty="0"/>
+          </a:p>
+        </p:txBody>
+      </p:sp>
+      <p:grpSp>
+        <p:nvGrpSpPr>
+          <p:cNvPr id="14" name="Group 13">
+            <a:extLst>
+              <a:ext uri="{FF2B5EF4-FFF2-40B4-BE49-F238E27FC236}">
+                <a16:creationId xmlns:a16="http://schemas.microsoft.com/office/drawing/2014/main" id="{828A5161-06F1-46CF-8AD7-844680A59E13}"/>
+              </a:ext>
+              <a:ext uri="{C183D7F6-B498-43B3-948B-1728B52AA6E4}">
+                <adec:decorative xmlns:adec="http://schemas.microsoft.com/office/drawing/2017/decorative" val="1"/>
+              </a:ext>
+            </a:extLst>
+          </p:cNvPr>
+          <p:cNvGrpSpPr>
+            <a:grpSpLocks noGrp="1" noUngrp="1" noRot="1" noChangeAspect="1" noMove="1" noResize="1"/>
+          </p:cNvGrpSpPr>
+          <p:nvPr>
+            <p:extLst>
+              <p:ext uri="{386F3935-93C4-4BCD-93E2-E3B085C9AB24}">
+                <p16:designElem xmlns:p16="http://schemas.microsoft.com/office/powerpoint/2015/main" val="1"/>
+              </p:ext>
+            </p:extLst>
+          </p:nvPr>
+        </p:nvGrpSpPr>
+        <p:grpSpPr>
+          <a:xfrm>
+            <a:off x="0" y="4601497"/>
+            <a:ext cx="1014060" cy="2017580"/>
+            <a:chOff x="0" y="4601497"/>
+            <a:chExt cx="1014060" cy="2017580"/>
+          </a:xfrm>
+        </p:grpSpPr>
+        <p:sp>
+          <p:nvSpPr>
+            <p:cNvPr id="15" name="Isosceles Triangle 14">
+              <a:extLst>
+                <a:ext uri="{FF2B5EF4-FFF2-40B4-BE49-F238E27FC236}">
+                  <a16:creationId xmlns:a16="http://schemas.microsoft.com/office/drawing/2014/main" id="{D3F51FEB-38FB-4F6C-9F7B-2F2AFAB65463}"/>
+                </a:ext>
+                <a:ext uri="{C183D7F6-B498-43B3-948B-1728B52AA6E4}">
+                  <adec:decorative xmlns:adec="http://schemas.microsoft.com/office/drawing/2017/decorative" val="1"/>
+                </a:ext>
+              </a:extLst>
+            </p:cNvPr>
+            <p:cNvSpPr/>
+            <p:nvPr>
+              <p:extLst>
+                <p:ext uri="{386F3935-93C4-4BCD-93E2-E3B085C9AB24}">
+                  <p16:designElem xmlns:p16="http://schemas.microsoft.com/office/powerpoint/2015/main" val="1"/>
+                </p:ext>
+              </p:extLst>
+            </p:nvPr>
+          </p:nvSpPr>
+          <p:spPr>
+            <a:xfrm rot="5400000">
+              <a:off x="-501760" y="5103257"/>
+              <a:ext cx="2017580" cy="1014060"/>
+            </a:xfrm>
+            <a:prstGeom prst="triangle">
+              <a:avLst>
+                <a:gd name="adj" fmla="val 50000"/>
+              </a:avLst>
+            </a:prstGeom>
+            <a:solidFill>
+              <a:schemeClr val="accent1">
+                <a:alpha val="30000"/>
+              </a:schemeClr>
+            </a:solidFill>
+            <a:ln>
+              <a:noFill/>
+            </a:ln>
+          </p:spPr>
+          <p:style>
+            <a:lnRef idx="2">
+              <a:schemeClr val="accent1">
+                <a:shade val="50000"/>
+              </a:schemeClr>
+            </a:lnRef>
+            <a:fillRef idx="1">
+              <a:schemeClr val="accent1"/>
+            </a:fillRef>
+            <a:effectRef idx="0">
+              <a:schemeClr val="accent1"/>
+            </a:effectRef>
+            <a:fontRef idx="minor">
+              <a:schemeClr val="lt1"/>
+            </a:fontRef>
+          </p:style>
+          <p:txBody>
+            <a:bodyPr rtlCol="0" anchor="ctr"/>
+            <a:lstStyle/>
+            <a:p>
+              <a:pPr algn="ctr"/>
+              <a:endParaRPr lang="en-US"/>
+            </a:p>
+          </p:txBody>
+        </p:sp>
+        <p:sp>
+          <p:nvSpPr>
+            <p:cNvPr id="16" name="Rectangle 15">
+              <a:extLst>
+                <a:ext uri="{FF2B5EF4-FFF2-40B4-BE49-F238E27FC236}">
+                  <a16:creationId xmlns:a16="http://schemas.microsoft.com/office/drawing/2014/main" id="{1E547BA6-BAE0-43BB-A7CA-60F69CE252F0}"/>
+                </a:ext>
+                <a:ext uri="{C183D7F6-B498-43B3-948B-1728B52AA6E4}">
+                  <adec:decorative xmlns:adec="http://schemas.microsoft.com/office/drawing/2017/decorative" val="1"/>
+                </a:ext>
+              </a:extLst>
+            </p:cNvPr>
+            <p:cNvSpPr/>
+            <p:nvPr>
+              <p:extLst>
+                <p:ext uri="{386F3935-93C4-4BCD-93E2-E3B085C9AB24}">
+                  <p16:designElem xmlns:p16="http://schemas.microsoft.com/office/powerpoint/2015/main" val="1"/>
+                </p:ext>
+              </p:extLst>
+            </p:nvPr>
+          </p:nvSpPr>
+          <p:spPr>
+            <a:xfrm rot="2700000">
+              <a:off x="427916" y="5728708"/>
+              <a:ext cx="485578" cy="485578"/>
+            </a:xfrm>
+            <a:prstGeom prst="rect">
+              <a:avLst/>
+            </a:prstGeom>
+            <a:solidFill>
+              <a:schemeClr val="accent1">
+                <a:alpha val="30000"/>
+              </a:schemeClr>
+            </a:solidFill>
+            <a:ln>
+              <a:noFill/>
+            </a:ln>
+          </p:spPr>
+          <p:style>
+            <a:lnRef idx="2">
+              <a:schemeClr val="accent1">
+                <a:shade val="50000"/>
+              </a:schemeClr>
+            </a:lnRef>
+            <a:fillRef idx="1">
+              <a:schemeClr val="accent1"/>
+            </a:fillRef>
+            <a:effectRef idx="0">
+              <a:schemeClr val="accent1"/>
+            </a:effectRef>
+            <a:fontRef idx="minor">
+              <a:schemeClr val="lt1"/>
+            </a:fontRef>
+          </p:style>
+          <p:txBody>
+            <a:bodyPr rtlCol="0" anchor="ctr"/>
+            <a:lstStyle/>
+            <a:p>
+              <a:pPr algn="ctr"/>
+              <a:endParaRPr lang="en-US"/>
+            </a:p>
+          </p:txBody>
+        </p:sp>
+      </p:grpSp>
+      <p:pic>
+        <p:nvPicPr>
+          <p:cNvPr id="5" name="Content Placeholder 4" descr="Text&#10;&#10;Description automatically generated">
+            <a:extLst>
+              <a:ext uri="{FF2B5EF4-FFF2-40B4-BE49-F238E27FC236}">
+                <a16:creationId xmlns:a16="http://schemas.microsoft.com/office/drawing/2014/main" id="{F53F215B-576B-4F0D-A0E4-95E589BC9989}"/>
+              </a:ext>
+            </a:extLst>
+          </p:cNvPr>
+          <p:cNvPicPr>
+            <a:picLocks noChangeAspect="1"/>
+          </p:cNvPicPr>
+          <p:nvPr/>
+        </p:nvPicPr>
+        <p:blipFill>
+          <a:blip r:embed="rId2"/>
+          <a:stretch>
+            <a:fillRect/>
+          </a:stretch>
+        </p:blipFill>
+        <p:spPr>
+          <a:xfrm>
+            <a:off x="5523659" y="1782981"/>
+            <a:ext cx="5796534" cy="4361892"/>
+          </a:xfrm>
+          <a:prstGeom prst="rect">
+            <a:avLst/>
+          </a:prstGeom>
+        </p:spPr>
+      </p:pic>
+      <p:grpSp>
+        <p:nvGrpSpPr>
+          <p:cNvPr id="18" name="Group 17">
+            <a:extLst>
+              <a:ext uri="{FF2B5EF4-FFF2-40B4-BE49-F238E27FC236}">
+                <a16:creationId xmlns:a16="http://schemas.microsoft.com/office/drawing/2014/main" id="{5995D10D-E9C9-47DB-AE7E-801FEF38F5C9}"/>
+              </a:ext>
+              <a:ext uri="{C183D7F6-B498-43B3-948B-1728B52AA6E4}">
+                <adec:decorative xmlns:adec="http://schemas.microsoft.com/office/drawing/2017/decorative" val="1"/>
+              </a:ext>
+            </a:extLst>
+          </p:cNvPr>
+          <p:cNvGrpSpPr>
+            <a:grpSpLocks noGrp="1" noUngrp="1" noRot="1" noChangeAspect="1" noMove="1" noResize="1"/>
+          </p:cNvGrpSpPr>
+          <p:nvPr>
+            <p:extLst>
+              <p:ext uri="{386F3935-93C4-4BCD-93E2-E3B085C9AB24}">
+                <p16:designElem xmlns:p16="http://schemas.microsoft.com/office/powerpoint/2015/main" val="1"/>
+              </p:ext>
+            </p:extLst>
+          </p:nvPr>
+        </p:nvGrpSpPr>
+        <p:grpSpPr>
+          <a:xfrm>
+            <a:off x="11219290" y="1"/>
+            <a:ext cx="972709" cy="1935307"/>
+            <a:chOff x="10918968" y="713127"/>
+            <a:chExt cx="1273032" cy="2532832"/>
+          </a:xfrm>
+        </p:grpSpPr>
+        <p:sp>
+          <p:nvSpPr>
+            <p:cNvPr id="19" name="Rectangle 18">
+              <a:extLst>
+                <a:ext uri="{FF2B5EF4-FFF2-40B4-BE49-F238E27FC236}">
+                  <a16:creationId xmlns:a16="http://schemas.microsoft.com/office/drawing/2014/main" id="{CC1A72C6-3DE4-4EC3-9AD5-9E0D40D8CE8A}"/>
+                </a:ext>
+                <a:ext uri="{C183D7F6-B498-43B3-948B-1728B52AA6E4}">
+                  <adec:decorative xmlns:adec="http://schemas.microsoft.com/office/drawing/2017/decorative" val="1"/>
+                </a:ext>
+              </a:extLst>
+            </p:cNvPr>
+            <p:cNvSpPr/>
+            <p:nvPr>
+              <p:extLst>
+                <p:ext uri="{386F3935-93C4-4BCD-93E2-E3B085C9AB24}">
+                  <p16:designElem xmlns:p16="http://schemas.microsoft.com/office/powerpoint/2015/main" val="1"/>
+                </p:ext>
+              </p:extLst>
+            </p:nvPr>
+          </p:nvSpPr>
+          <p:spPr>
+            <a:xfrm rot="2700000">
+              <a:off x="11052629" y="2120024"/>
+              <a:ext cx="645368" cy="645368"/>
+            </a:xfrm>
+            <a:prstGeom prst="rect">
+              <a:avLst/>
+            </a:prstGeom>
+            <a:solidFill>
+              <a:schemeClr val="accent4">
+                <a:alpha val="30000"/>
+              </a:schemeClr>
+            </a:solidFill>
+            <a:ln>
+              <a:noFill/>
+            </a:ln>
+          </p:spPr>
+          <p:style>
+            <a:lnRef idx="2">
+              <a:schemeClr val="accent1">
+                <a:shade val="50000"/>
+              </a:schemeClr>
+            </a:lnRef>
+            <a:fillRef idx="1">
+              <a:schemeClr val="accent1"/>
+            </a:fillRef>
+            <a:effectRef idx="0">
+              <a:schemeClr val="accent1"/>
+            </a:effectRef>
+            <a:fontRef idx="minor">
+              <a:schemeClr val="lt1"/>
+            </a:fontRef>
+          </p:style>
+          <p:txBody>
+            <a:bodyPr rtlCol="0" anchor="ctr"/>
+            <a:lstStyle/>
+            <a:p>
+              <a:pPr algn="ctr"/>
+              <a:endParaRPr lang="en-US"/>
+            </a:p>
+          </p:txBody>
+        </p:sp>
+        <p:sp>
+          <p:nvSpPr>
+            <p:cNvPr id="20" name="Isosceles Triangle 19">
+              <a:extLst>
+                <a:ext uri="{FF2B5EF4-FFF2-40B4-BE49-F238E27FC236}">
+                  <a16:creationId xmlns:a16="http://schemas.microsoft.com/office/drawing/2014/main" id="{0B0DA1F1-C391-4EDF-9FE0-23E86E137765}"/>
+                </a:ext>
+                <a:ext uri="{C183D7F6-B498-43B3-948B-1728B52AA6E4}">
+                  <adec:decorative xmlns:adec="http://schemas.microsoft.com/office/drawing/2017/decorative" val="1"/>
+                </a:ext>
+              </a:extLst>
+            </p:cNvPr>
+            <p:cNvSpPr/>
+            <p:nvPr>
+              <p:extLst>
+                <p:ext uri="{386F3935-93C4-4BCD-93E2-E3B085C9AB24}">
+                  <p16:designElem xmlns:p16="http://schemas.microsoft.com/office/powerpoint/2015/main" val="1"/>
+                </p:ext>
+              </p:extLst>
+            </p:nvPr>
+          </p:nvSpPr>
+          <p:spPr>
+            <a:xfrm rot="16200000">
+              <a:off x="10289068" y="1343027"/>
+              <a:ext cx="2532832" cy="1273032"/>
+            </a:xfrm>
+            <a:prstGeom prst="triangle">
+              <a:avLst>
+                <a:gd name="adj" fmla="val 50000"/>
+              </a:avLst>
+            </a:prstGeom>
+            <a:solidFill>
+              <a:schemeClr val="accent4">
+                <a:alpha val="30000"/>
+              </a:schemeClr>
+            </a:solidFill>
+            <a:ln>
+              <a:noFill/>
+            </a:ln>
+          </p:spPr>
+          <p:style>
+            <a:lnRef idx="2">
+              <a:schemeClr val="accent1">
+                <a:shade val="50000"/>
+              </a:schemeClr>
+            </a:lnRef>
+            <a:fillRef idx="1">
+              <a:schemeClr val="accent1"/>
+            </a:fillRef>
+            <a:effectRef idx="0">
+              <a:schemeClr val="accent1"/>
+            </a:effectRef>
+            <a:fontRef idx="minor">
+              <a:schemeClr val="lt1"/>
+            </a:fontRef>
+          </p:style>
+          <p:txBody>
+            <a:bodyPr rtlCol="0" anchor="ctr"/>
+            <a:lstStyle/>
+            <a:p>
+              <a:pPr algn="ctr"/>
+              <a:endParaRPr lang="en-US" dirty="0"/>
+            </a:p>
+          </p:txBody>
+        </p:sp>
+      </p:grpSp>
+    </p:spTree>
+    <p:extLst>
+      <p:ext uri="{BB962C8B-B14F-4D97-AF65-F5344CB8AC3E}">
+        <p14:creationId xmlns:p14="http://schemas.microsoft.com/office/powerpoint/2010/main" val="4230474612"/>
+      </p:ext>
+    </p:extLst>
+  </p:cSld>
+  <p:clrMapOvr>
+    <a:masterClrMapping/>
+  </p:clrMapOvr>
+</p:sld>
+</file>
+
+<file path=ppt/slides/slide8.xml><?xml version="1.0" encoding="utf-8"?>
+<p:sld xmlns:a="http://schemas.openxmlformats.org/drawingml/2006/main" xmlns:r="http://schemas.openxmlformats.org/officeDocument/2006/relationships" xmlns:p="http://schemas.openxmlformats.org/presentationml/2006/main">
+  <p:cSld>
+    <p:bg>
+      <p:bgPr>
+        <a:solidFill>
+          <a:schemeClr val="bg1"/>
+        </a:solidFill>
+        <a:effectLst/>
+      </p:bgPr>
+    </p:bg>
+    <p:spTree>
+      <p:nvGrpSpPr>
+        <p:cNvPr id="1" name=""/>
+        <p:cNvGrpSpPr/>
+        <p:nvPr/>
+      </p:nvGrpSpPr>
+      <p:grpSpPr>
+        <a:xfrm>
+          <a:off x="0" y="0"/>
+          <a:ext cx="0" cy="0"/>
+          <a:chOff x="0" y="0"/>
+          <a:chExt cx="0" cy="0"/>
+        </a:xfrm>
+      </p:grpSpPr>
+      <p:sp useBgFill="1">
+        <p:nvSpPr>
+          <p:cNvPr id="17" name="Rectangle 11">
+            <a:extLst>
+              <a:ext uri="{FF2B5EF4-FFF2-40B4-BE49-F238E27FC236}">
+                <a16:creationId xmlns:a16="http://schemas.microsoft.com/office/drawing/2014/main" id="{2550BE34-C2B8-49B8-8519-67A8CAD51AE9}"/>
+              </a:ext>
+              <a:ext uri="{C183D7F6-B498-43B3-948B-1728B52AA6E4}">
+                <adec:decorative xmlns:adec="http://schemas.microsoft.com/office/drawing/2017/decorative" val="1"/>
+              </a:ext>
+            </a:extLst>
+          </p:cNvPr>
+          <p:cNvSpPr>
+            <a:spLocks noGrp="1" noRot="1" noChangeAspect="1" noMove="1" noResize="1" noEditPoints="1" noAdjustHandles="1" noChangeArrowheads="1" noChangeShapeType="1" noTextEdit="1"/>
+          </p:cNvSpPr>
+          <p:nvPr>
+            <p:extLst>
+              <p:ext uri="{386F3935-93C4-4BCD-93E2-E3B085C9AB24}">
+                <p16:designElem xmlns:p16="http://schemas.microsoft.com/office/powerpoint/2015/main" val="1"/>
+              </p:ext>
+            </p:extLst>
+          </p:nvPr>
+        </p:nvSpPr>
+        <p:spPr>
+          <a:xfrm>
+            <a:off x="0" y="0"/>
+            <a:ext cx="12192000" cy="6858000"/>
+          </a:xfrm>
+          <a:prstGeom prst="rect">
+            <a:avLst/>
+          </a:prstGeom>
+          <a:ln>
+            <a:noFill/>
+          </a:ln>
+        </p:spPr>
+        <p:style>
+          <a:lnRef idx="2">
+            <a:schemeClr val="accent1">
+              <a:shade val="50000"/>
+            </a:schemeClr>
+          </a:lnRef>
+          <a:fillRef idx="1">
+            <a:schemeClr val="accent1"/>
+          </a:fillRef>
+          <a:effectRef idx="0">
+            <a:schemeClr val="accent1"/>
+          </a:effectRef>
+          <a:fontRef idx="minor">
+            <a:schemeClr val="lt1"/>
+          </a:fontRef>
+        </p:style>
+        <p:txBody>
+          <a:bodyPr rtlCol="0" anchor="ctr"/>
+          <a:lstStyle/>
+          <a:p>
+            <a:pPr algn="ctr"/>
+            <a:endParaRPr lang="en-US"/>
+          </a:p>
+        </p:txBody>
+      </p:sp>
+      <p:sp useBgFill="1">
+        <p:nvSpPr>
+          <p:cNvPr id="19" name="Rectangle 13">
+            <a:extLst>
+              <a:ext uri="{FF2B5EF4-FFF2-40B4-BE49-F238E27FC236}">
+                <a16:creationId xmlns:a16="http://schemas.microsoft.com/office/drawing/2014/main" id="{A7457DD9-5A45-400A-AB4B-4B4EDECA25F1}"/>
+              </a:ext>
+              <a:ext uri="{C183D7F6-B498-43B3-948B-1728B52AA6E4}">
+                <adec:decorative xmlns:adec="http://schemas.microsoft.com/office/drawing/2017/decorative" val="1"/>
+              </a:ext>
+            </a:extLst>
+          </p:cNvPr>
+          <p:cNvSpPr>
+            <a:spLocks noGrp="1" noRot="1" noChangeAspect="1" noMove="1" noResize="1" noEditPoints="1" noAdjustHandles="1" noChangeArrowheads="1" noChangeShapeType="1" noTextEdit="1"/>
+          </p:cNvSpPr>
+          <p:nvPr>
+            <p:extLst>
+              <p:ext uri="{386F3935-93C4-4BCD-93E2-E3B085C9AB24}">
+                <p16:designElem xmlns:p16="http://schemas.microsoft.com/office/powerpoint/2015/main" val="1"/>
+              </p:ext>
+            </p:extLst>
+          </p:nvPr>
+        </p:nvSpPr>
+        <p:spPr>
+          <a:xfrm>
+            <a:off x="554416" y="365125"/>
+            <a:ext cx="11167447" cy="2089317"/>
+          </a:xfrm>
+          <a:prstGeom prst="rect">
+            <a:avLst/>
+          </a:prstGeom>
+          <a:ln w="12700">
+            <a:solidFill>
+              <a:srgbClr val="DEDEDE"/>
+            </a:solidFill>
+          </a:ln>
+          <a:effectLst>
+            <a:outerShdw blurRad="50800" dist="38100" dir="2700000" algn="tl" rotWithShape="0">
+              <a:schemeClr val="bg2">
+                <a:lumMod val="85000"/>
+                <a:alpha val="50000"/>
+              </a:schemeClr>
+            </a:outerShdw>
+          </a:effectLst>
+        </p:spPr>
+        <p:style>
+          <a:lnRef idx="2">
+            <a:schemeClr val="accent1">
+              <a:shade val="50000"/>
+            </a:schemeClr>
+          </a:lnRef>
+          <a:fillRef idx="1">
+            <a:schemeClr val="accent1"/>
+          </a:fillRef>
+          <a:effectRef idx="0">
+            <a:schemeClr val="accent1"/>
+          </a:effectRef>
+          <a:fontRef idx="minor">
+            <a:schemeClr val="lt1"/>
+          </a:fontRef>
+        </p:style>
+        <p:txBody>
+          <a:bodyPr rtlCol="0" anchor="ctr"/>
+          <a:lstStyle/>
+          <a:p>
+            <a:pPr marL="0" marR="0" lvl="0" indent="0" algn="ctr" defTabSz="914400" rtl="0" eaLnBrk="1" fontAlgn="auto" latinLnBrk="0" hangingPunct="1">
+              <a:lnSpc>
+                <a:spcPct val="100000"/>
+              </a:lnSpc>
+              <a:spcBef>
+                <a:spcPts val="0"/>
+              </a:spcBef>
+              <a:spcAft>
+                <a:spcPts val="0"/>
+              </a:spcAft>
+              <a:buClrTx/>
+              <a:buSzTx/>
+              <a:buFontTx/>
+              <a:buNone/>
+              <a:tabLst/>
+              <a:defRPr/>
+            </a:pPr>
+            <a:endParaRPr kumimoji="0" lang="en-US" sz="1800" b="0" i="0" u="none" strike="noStrike" kern="1200" cap="none" spc="0" normalizeH="0" baseline="0" noProof="0">
+              <a:ln>
+                <a:noFill/>
+              </a:ln>
+              <a:solidFill>
+                <a:prstClr val="white"/>
+              </a:solidFill>
+              <a:effectLst/>
+              <a:uLnTx/>
+              <a:uFillTx/>
+              <a:latin typeface="Calibri" panose="020F0502020204030204"/>
+              <a:ea typeface="+mn-ea"/>
+              <a:cs typeface="+mn-cs"/>
+            </a:endParaRPr>
+          </a:p>
+        </p:txBody>
+      </p:sp>
+      <p:sp>
+        <p:nvSpPr>
+          <p:cNvPr id="2" name="Title 1">
+            <a:extLst>
+              <a:ext uri="{FF2B5EF4-FFF2-40B4-BE49-F238E27FC236}">
+                <a16:creationId xmlns:a16="http://schemas.microsoft.com/office/drawing/2014/main" id="{C068E6D9-3F70-47A1-9686-B77A5E462184}"/>
+              </a:ext>
+            </a:extLst>
+          </p:cNvPr>
+          <p:cNvSpPr>
+            <a:spLocks noGrp="1"/>
+          </p:cNvSpPr>
+          <p:nvPr>
+            <p:ph type="title"/>
+          </p:nvPr>
+        </p:nvSpPr>
+        <p:spPr>
+          <a:xfrm>
+            <a:off x="1046746" y="586822"/>
+            <a:ext cx="3560252" cy="1645920"/>
+          </a:xfrm>
+        </p:spPr>
+        <p:txBody>
+          <a:bodyPr>
+            <a:normAutofit/>
+          </a:bodyPr>
+          <a:lstStyle/>
+          <a:p>
+            <a:r>
+              <a:rPr lang="en-IN" sz="3200" dirty="0"/>
+              <a:t>Scope</a:t>
+            </a:r>
+          </a:p>
+        </p:txBody>
+      </p:sp>
+      <p:sp>
+        <p:nvSpPr>
+          <p:cNvPr id="16" name="Rectangle 15">
+            <a:extLst>
+              <a:ext uri="{FF2B5EF4-FFF2-40B4-BE49-F238E27FC236}">
+                <a16:creationId xmlns:a16="http://schemas.microsoft.com/office/drawing/2014/main" id="{441CF7D6-A660-431A-B0BB-140A0D5556B6}"/>
+              </a:ext>
+              <a:ext uri="{C183D7F6-B498-43B3-948B-1728B52AA6E4}">
+                <adec:decorative xmlns:adec="http://schemas.microsoft.com/office/drawing/2017/decorative" val="1"/>
+              </a:ext>
+            </a:extLst>
+          </p:cNvPr>
+          <p:cNvSpPr>
+            <a:spLocks noGrp="1" noRot="1" noChangeAspect="1" noMove="1" noResize="1" noEditPoints="1" noAdjustHandles="1" noChangeArrowheads="1" noChangeShapeType="1" noTextEdit="1"/>
+          </p:cNvSpPr>
+          <p:nvPr>
+            <p:extLst>
+              <p:ext uri="{386F3935-93C4-4BCD-93E2-E3B085C9AB24}">
+                <p16:designElem xmlns:p16="http://schemas.microsoft.com/office/powerpoint/2015/main" val="1"/>
+              </p:ext>
+            </p:extLst>
+          </p:nvPr>
+        </p:nvSpPr>
+        <p:spPr>
+          <a:xfrm>
+            <a:off x="490408" y="1057739"/>
+            <a:ext cx="128016" cy="704088"/>
+          </a:xfrm>
+          <a:prstGeom prst="rect">
+            <a:avLst/>
+          </a:prstGeom>
+          <a:solidFill>
+            <a:schemeClr val="accent2"/>
+          </a:solidFill>
+          <a:ln>
+            <a:noFill/>
+          </a:ln>
+        </p:spPr>
+        <p:style>
+          <a:lnRef idx="2">
+            <a:schemeClr val="accent1">
+              <a:shade val="50000"/>
+            </a:schemeClr>
+          </a:lnRef>
+          <a:fillRef idx="1">
+            <a:schemeClr val="accent1"/>
+          </a:fillRef>
+          <a:effectRef idx="0">
+            <a:schemeClr val="accent1"/>
+          </a:effectRef>
+          <a:fontRef idx="minor">
+            <a:schemeClr val="lt1"/>
+          </a:fontRef>
+        </p:style>
+        <p:txBody>
+          <a:bodyPr rtlCol="0" anchor="ctr"/>
+          <a:lstStyle/>
+          <a:p>
+            <a:pPr algn="ctr"/>
+            <a:endParaRPr lang="en-US" dirty="0">
+              <a:solidFill>
+                <a:prstClr val="white"/>
+              </a:solidFill>
+              <a:latin typeface="Calibri" panose="020F0502020204030204"/>
+            </a:endParaRPr>
+          </a:p>
+        </p:txBody>
+      </p:sp>
+      <p:sp>
+        <p:nvSpPr>
+          <p:cNvPr id="18" name="Rectangle 17">
+            <a:extLst>
+              <a:ext uri="{FF2B5EF4-FFF2-40B4-BE49-F238E27FC236}">
+                <a16:creationId xmlns:a16="http://schemas.microsoft.com/office/drawing/2014/main" id="{0570A85B-3810-4F95-97B0-CBF4CCDB381C}"/>
+              </a:ext>
+              <a:ext uri="{C183D7F6-B498-43B3-948B-1728B52AA6E4}">
+                <adec:decorative xmlns:adec="http://schemas.microsoft.com/office/drawing/2017/decorative" val="1"/>
+              </a:ext>
+            </a:extLst>
+          </p:cNvPr>
+          <p:cNvSpPr>
+            <a:spLocks noGrp="1" noRot="1" noChangeAspect="1" noMove="1" noResize="1" noEditPoints="1" noAdjustHandles="1" noChangeArrowheads="1" noChangeShapeType="1" noTextEdit="1"/>
+          </p:cNvSpPr>
+          <p:nvPr>
+            <p:extLst>
+              <p:ext uri="{386F3935-93C4-4BCD-93E2-E3B085C9AB24}">
+                <p16:designElem xmlns:p16="http://schemas.microsoft.com/office/powerpoint/2015/main" val="1"/>
+              </p:ext>
+            </p:extLst>
+          </p:nvPr>
+        </p:nvSpPr>
+        <p:spPr>
+          <a:xfrm rot="5400000">
+            <a:off x="4243541" y="1400638"/>
+            <a:ext cx="1463040" cy="18288"/>
+          </a:xfrm>
+          <a:prstGeom prst="rect">
+            <a:avLst/>
+          </a:prstGeom>
+          <a:solidFill>
+            <a:srgbClr val="D5D5D5"/>
+          </a:solidFill>
+          <a:ln w="3175">
+            <a:noFill/>
+          </a:ln>
+          <a:effectLst/>
+        </p:spPr>
+        <p:style>
+          <a:lnRef idx="2">
+            <a:schemeClr val="accent1">
+              <a:shade val="50000"/>
+            </a:schemeClr>
+          </a:lnRef>
+          <a:fillRef idx="1">
+            <a:schemeClr val="accent1"/>
+          </a:fillRef>
+          <a:effectRef idx="0">
+            <a:schemeClr val="accent1"/>
+          </a:effectRef>
+          <a:fontRef idx="minor">
+            <a:schemeClr val="lt1"/>
+          </a:fontRef>
+        </p:style>
+        <p:txBody>
+          <a:bodyPr rtlCol="0" anchor="ctr"/>
+          <a:lstStyle/>
+          <a:p>
+            <a:pPr algn="ctr"/>
+            <a:endParaRPr lang="en-US">
+              <a:solidFill>
+                <a:prstClr val="white"/>
+              </a:solidFill>
+              <a:latin typeface="Calibri" panose="020F0502020204030204"/>
+            </a:endParaRPr>
+          </a:p>
+        </p:txBody>
+      </p:sp>
+      <p:sp>
+        <p:nvSpPr>
+          <p:cNvPr id="20" name="Content Placeholder 8">
+            <a:extLst>
+              <a:ext uri="{FF2B5EF4-FFF2-40B4-BE49-F238E27FC236}">
+                <a16:creationId xmlns:a16="http://schemas.microsoft.com/office/drawing/2014/main" id="{DDA20962-7818-4756-8A51-884AC082D192}"/>
+              </a:ext>
+            </a:extLst>
+          </p:cNvPr>
+          <p:cNvSpPr>
+            <a:spLocks noGrp="1"/>
+          </p:cNvSpPr>
+          <p:nvPr>
+            <p:ph idx="1"/>
+          </p:nvPr>
+        </p:nvSpPr>
+        <p:spPr>
+          <a:xfrm>
+            <a:off x="5351164" y="586822"/>
+            <a:ext cx="6002636" cy="1645920"/>
+          </a:xfrm>
+        </p:spPr>
+        <p:txBody>
+          <a:bodyPr anchor="ctr">
+            <a:normAutofit/>
+          </a:bodyPr>
+          <a:lstStyle/>
+          <a:p>
+            <a:r>
+              <a:rPr lang="en-US" sz="1800" dirty="0"/>
+              <a:t>Make LEMON lib algorithms parallel</a:t>
+            </a:r>
+          </a:p>
+          <a:p>
+            <a:endParaRPr lang="en-US" sz="1800" dirty="0"/>
+          </a:p>
+        </p:txBody>
+      </p:sp>
+      <p:pic>
+        <p:nvPicPr>
+          <p:cNvPr id="5" name="Content Placeholder 4">
+            <a:extLst>
+              <a:ext uri="{FF2B5EF4-FFF2-40B4-BE49-F238E27FC236}">
+                <a16:creationId xmlns:a16="http://schemas.microsoft.com/office/drawing/2014/main" id="{50836E75-4DA2-41D7-ABFE-D8E12DE21706}"/>
+              </a:ext>
+            </a:extLst>
+          </p:cNvPr>
+          <p:cNvPicPr>
+            <a:picLocks noChangeAspect="1"/>
+          </p:cNvPicPr>
+          <p:nvPr/>
+        </p:nvPicPr>
+        <p:blipFill>
+          <a:blip r:embed="rId2"/>
+          <a:stretch>
+            <a:fillRect/>
+          </a:stretch>
+        </p:blipFill>
+        <p:spPr>
+          <a:xfrm>
+            <a:off x="2112607" y="2734056"/>
+            <a:ext cx="8055177" cy="3483864"/>
+          </a:xfrm>
+          <a:prstGeom prst="rect">
+            <a:avLst/>
+          </a:prstGeom>
+        </p:spPr>
+      </p:pic>
+    </p:spTree>
+    <p:extLst>
+      <p:ext uri="{BB962C8B-B14F-4D97-AF65-F5344CB8AC3E}">
+        <p14:creationId xmlns:p14="http://schemas.microsoft.com/office/powerpoint/2010/main" val="1749131975"/>
+      </p:ext>
+    </p:extLst>
+  </p:cSld>
+  <p:clrMapOvr>
+    <a:masterClrMapping/>
+  </p:clrMapOvr>
+</p:sld>
+</file>
+
+<file path=ppt/slides/slide9.xml><?xml version="1.0" encoding="utf-8"?>
+<p:sld xmlns:a="http://schemas.openxmlformats.org/drawingml/2006/main" xmlns:r="http://schemas.openxmlformats.org/officeDocument/2006/relationships" xmlns:p="http://schemas.openxmlformats.org/presentationml/2006/main">
+  <p:cSld>
+    <p:bg>
+      <p:bgPr>
+        <a:solidFill>
+          <a:schemeClr val="bg1"/>
+        </a:solidFill>
+        <a:effectLst/>
+      </p:bgPr>
+    </p:bg>
+    <p:spTree>
+      <p:nvGrpSpPr>
+        <p:cNvPr id="1" name=""/>
+        <p:cNvGrpSpPr/>
+        <p:nvPr/>
+      </p:nvGrpSpPr>
+      <p:grpSpPr>
+        <a:xfrm>
+          <a:off x="0" y="0"/>
+          <a:ext cx="0" cy="0"/>
+          <a:chOff x="0" y="0"/>
+          <a:chExt cx="0" cy="0"/>
+        </a:xfrm>
+      </p:grpSpPr>
+      <p:sp useBgFill="1">
+        <p:nvSpPr>
+          <p:cNvPr id="12" name="Rectangle 11">
+            <a:extLst>
+              <a:ext uri="{FF2B5EF4-FFF2-40B4-BE49-F238E27FC236}">
+                <a16:creationId xmlns:a16="http://schemas.microsoft.com/office/drawing/2014/main" id="{743AA782-23D1-4521-8CAD-47662984AA08}"/>
+              </a:ext>
+              <a:ext uri="{C183D7F6-B498-43B3-948B-1728B52AA6E4}">
+                <adec:decorative xmlns:adec="http://schemas.microsoft.com/office/drawing/2017/decorative" val="1"/>
+              </a:ext>
+            </a:extLst>
+          </p:cNvPr>
+          <p:cNvSpPr>
+            <a:spLocks noGrp="1" noRot="1" noChangeAspect="1" noMove="1" noResize="1" noEditPoints="1" noAdjustHandles="1" noChangeArrowheads="1" noChangeShapeType="1" noTextEdit="1"/>
+          </p:cNvSpPr>
+          <p:nvPr>
+            <p:extLst>
+              <p:ext uri="{386F3935-93C4-4BCD-93E2-E3B085C9AB24}">
+                <p16:designElem xmlns:p16="http://schemas.microsoft.com/office/powerpoint/2015/main" val="1"/>
+              </p:ext>
+            </p:extLst>
+          </p:nvPr>
+        </p:nvSpPr>
+        <p:spPr>
+          <a:xfrm>
+            <a:off x="0" y="0"/>
+            <a:ext cx="12192000" cy="6858000"/>
+          </a:xfrm>
+          <a:prstGeom prst="rect">
+            <a:avLst/>
+          </a:prstGeom>
+          <a:ln>
+            <a:noFill/>
+          </a:ln>
+        </p:spPr>
+        <p:style>
+          <a:lnRef idx="2">
+            <a:schemeClr val="accent1">
+              <a:shade val="50000"/>
+            </a:schemeClr>
+          </a:lnRef>
+          <a:fillRef idx="1">
+            <a:schemeClr val="accent1"/>
+          </a:fillRef>
+          <a:effectRef idx="0">
+            <a:schemeClr val="accent1"/>
+          </a:effectRef>
+          <a:fontRef idx="minor">
+            <a:schemeClr val="lt1"/>
+          </a:fontRef>
+        </p:style>
+        <p:txBody>
+          <a:bodyPr rtlCol="0" anchor="ctr"/>
+          <a:lstStyle/>
+          <a:p>
+            <a:pPr algn="ctr"/>
+            <a:endParaRPr lang="en-US"/>
+          </a:p>
+        </p:txBody>
+      </p:sp>
+      <p:sp>
+        <p:nvSpPr>
+          <p:cNvPr id="2" name="Title 1">
+            <a:extLst>
+              <a:ext uri="{FF2B5EF4-FFF2-40B4-BE49-F238E27FC236}">
+                <a16:creationId xmlns:a16="http://schemas.microsoft.com/office/drawing/2014/main" id="{0DB9FB72-F1EB-44DD-BA14-F4E5309CA3CA}"/>
+              </a:ext>
+            </a:extLst>
+          </p:cNvPr>
+          <p:cNvSpPr>
+            <a:spLocks noGrp="1"/>
+          </p:cNvSpPr>
+          <p:nvPr>
+            <p:ph type="title"/>
+          </p:nvPr>
+        </p:nvSpPr>
+        <p:spPr>
+          <a:xfrm>
+            <a:off x="630936" y="640080"/>
+            <a:ext cx="4818888" cy="1481328"/>
+          </a:xfrm>
+        </p:spPr>
+        <p:txBody>
+          <a:bodyPr anchor="b">
+            <a:normAutofit fontScale="90000"/>
+          </a:bodyPr>
+          <a:lstStyle/>
+          <a:p>
+            <a:r>
+              <a:rPr lang="en-IN" sz="5400" dirty="0"/>
+              <a:t>Own Implementation</a:t>
+            </a:r>
+          </a:p>
+        </p:txBody>
+      </p:sp>
+      <p:sp>
+        <p:nvSpPr>
+          <p:cNvPr id="14" name="sketch line">
+            <a:extLst>
+              <a:ext uri="{FF2B5EF4-FFF2-40B4-BE49-F238E27FC236}">
+                <a16:creationId xmlns:a16="http://schemas.microsoft.com/office/drawing/2014/main" id="{650D18FE-0824-4A46-B22C-A86B52E5780A}"/>
+              </a:ext>
+              <a:ext uri="{C183D7F6-B498-43B3-948B-1728B52AA6E4}">
+                <adec:decorative xmlns:adec="http://schemas.microsoft.com/office/drawing/2017/decorative" val="1"/>
+              </a:ext>
+            </a:extLst>
+          </p:cNvPr>
+          <p:cNvSpPr>
+            <a:spLocks noGrp="1" noRot="1" noChangeAspect="1" noMove="1" noResize="1" noEditPoints="1" noAdjustHandles="1" noChangeArrowheads="1" noChangeShapeType="1" noTextEdit="1"/>
+          </p:cNvSpPr>
+          <p:nvPr>
+            <p:extLst>
+              <p:ext uri="{386F3935-93C4-4BCD-93E2-E3B085C9AB24}">
+                <p16:designElem xmlns:p16="http://schemas.microsoft.com/office/powerpoint/2015/main" val="1"/>
+              </p:ext>
+            </p:extLst>
+          </p:nvPr>
+        </p:nvSpPr>
+        <p:spPr>
+          <a:xfrm>
+            <a:off x="643278" y="2372868"/>
+            <a:ext cx="3255095" cy="18288"/>
+          </a:xfrm>
+          <a:custGeom>
+            <a:avLst/>
+            <a:gdLst>
+              <a:gd name="connsiteX0" fmla="*/ 0 w 3255095"/>
+              <a:gd name="connsiteY0" fmla="*/ 0 h 18288"/>
+              <a:gd name="connsiteX1" fmla="*/ 618468 w 3255095"/>
+              <a:gd name="connsiteY1" fmla="*/ 0 h 18288"/>
+              <a:gd name="connsiteX2" fmla="*/ 1269487 w 3255095"/>
+              <a:gd name="connsiteY2" fmla="*/ 0 h 18288"/>
+              <a:gd name="connsiteX3" fmla="*/ 1953057 w 3255095"/>
+              <a:gd name="connsiteY3" fmla="*/ 0 h 18288"/>
+              <a:gd name="connsiteX4" fmla="*/ 2636627 w 3255095"/>
+              <a:gd name="connsiteY4" fmla="*/ 0 h 18288"/>
+              <a:gd name="connsiteX5" fmla="*/ 3255095 w 3255095"/>
+              <a:gd name="connsiteY5" fmla="*/ 0 h 18288"/>
+              <a:gd name="connsiteX6" fmla="*/ 3255095 w 3255095"/>
+              <a:gd name="connsiteY6" fmla="*/ 18288 h 18288"/>
+              <a:gd name="connsiteX7" fmla="*/ 2538974 w 3255095"/>
+              <a:gd name="connsiteY7" fmla="*/ 18288 h 18288"/>
+              <a:gd name="connsiteX8" fmla="*/ 1822853 w 3255095"/>
+              <a:gd name="connsiteY8" fmla="*/ 18288 h 18288"/>
+              <a:gd name="connsiteX9" fmla="*/ 1171834 w 3255095"/>
+              <a:gd name="connsiteY9" fmla="*/ 18288 h 18288"/>
+              <a:gd name="connsiteX10" fmla="*/ 0 w 3255095"/>
+              <a:gd name="connsiteY10" fmla="*/ 18288 h 18288"/>
+              <a:gd name="connsiteX11" fmla="*/ 0 w 3255095"/>
+              <a:gd name="connsiteY11" fmla="*/ 0 h 18288"/>
+            </a:gdLst>
+            <a:ahLst/>
+            <a:cxnLst>
+              <a:cxn ang="0">
+                <a:pos x="connsiteX0" y="connsiteY0"/>
+              </a:cxn>
+              <a:cxn ang="0">
+                <a:pos x="connsiteX1" y="connsiteY1"/>
+              </a:cxn>
+              <a:cxn ang="0">
+                <a:pos x="connsiteX2" y="connsiteY2"/>
+              </a:cxn>
+              <a:cxn ang="0">
+                <a:pos x="connsiteX3" y="connsiteY3"/>
+              </a:cxn>
+              <a:cxn ang="0">
+                <a:pos x="connsiteX4" y="connsiteY4"/>
+              </a:cxn>
+              <a:cxn ang="0">
+                <a:pos x="connsiteX5" y="connsiteY5"/>
+              </a:cxn>
+              <a:cxn ang="0">
+                <a:pos x="connsiteX6" y="connsiteY6"/>
+              </a:cxn>
+              <a:cxn ang="0">
+                <a:pos x="connsiteX7" y="connsiteY7"/>
+              </a:cxn>
+              <a:cxn ang="0">
+                <a:pos x="connsiteX8" y="connsiteY8"/>
+              </a:cxn>
+              <a:cxn ang="0">
+                <a:pos x="connsiteX9" y="connsiteY9"/>
+              </a:cxn>
+              <a:cxn ang="0">
+                <a:pos x="connsiteX10" y="connsiteY10"/>
+              </a:cxn>
+              <a:cxn ang="0">
+                <a:pos x="connsiteX11" y="connsiteY11"/>
+              </a:cxn>
+            </a:cxnLst>
+            <a:rect l="l" t="t" r="r" b="b"/>
+            <a:pathLst>
+              <a:path w="3255095" h="18288" fill="none" extrusionOk="0">
+                <a:moveTo>
+                  <a:pt x="0" y="0"/>
+                </a:moveTo>
+                <a:cubicBezTo>
+                  <a:pt x="240201" y="-22123"/>
+                  <a:pt x="462021" y="-19623"/>
+                  <a:pt x="618468" y="0"/>
+                </a:cubicBezTo>
+                <a:cubicBezTo>
+                  <a:pt x="774915" y="19623"/>
+                  <a:pt x="974734" y="2035"/>
+                  <a:pt x="1269487" y="0"/>
+                </a:cubicBezTo>
+                <a:cubicBezTo>
+                  <a:pt x="1564240" y="-2035"/>
+                  <a:pt x="1733579" y="10639"/>
+                  <a:pt x="1953057" y="0"/>
+                </a:cubicBezTo>
+                <a:cubicBezTo>
+                  <a:pt x="2172535" y="-10639"/>
+                  <a:pt x="2453962" y="14018"/>
+                  <a:pt x="2636627" y="0"/>
+                </a:cubicBezTo>
+                <a:cubicBezTo>
+                  <a:pt x="2819292" y="-14018"/>
+                  <a:pt x="3121375" y="5399"/>
+                  <a:pt x="3255095" y="0"/>
+                </a:cubicBezTo>
+                <a:cubicBezTo>
+                  <a:pt x="3254386" y="8157"/>
+                  <a:pt x="3254682" y="12125"/>
+                  <a:pt x="3255095" y="18288"/>
+                </a:cubicBezTo>
+                <a:cubicBezTo>
+                  <a:pt x="3088545" y="23203"/>
+                  <a:pt x="2687475" y="7419"/>
+                  <a:pt x="2538974" y="18288"/>
+                </a:cubicBezTo>
+                <a:cubicBezTo>
+                  <a:pt x="2390473" y="29157"/>
+                  <a:pt x="2137381" y="-8959"/>
+                  <a:pt x="1822853" y="18288"/>
+                </a:cubicBezTo>
+                <a:cubicBezTo>
+                  <a:pt x="1508325" y="45535"/>
+                  <a:pt x="1466437" y="20385"/>
+                  <a:pt x="1171834" y="18288"/>
+                </a:cubicBezTo>
+                <a:cubicBezTo>
+                  <a:pt x="877231" y="16191"/>
+                  <a:pt x="561097" y="37643"/>
+                  <a:pt x="0" y="18288"/>
+                </a:cubicBezTo>
+                <a:cubicBezTo>
+                  <a:pt x="-46" y="12483"/>
+                  <a:pt x="-203" y="6491"/>
+                  <a:pt x="0" y="0"/>
+                </a:cubicBezTo>
+                <a:close/>
+              </a:path>
+              <a:path w="3255095" h="18288" stroke="0" extrusionOk="0">
+                <a:moveTo>
+                  <a:pt x="0" y="0"/>
+                </a:moveTo>
+                <a:cubicBezTo>
+                  <a:pt x="291965" y="19429"/>
+                  <a:pt x="363155" y="8568"/>
+                  <a:pt x="618468" y="0"/>
+                </a:cubicBezTo>
+                <a:cubicBezTo>
+                  <a:pt x="873781" y="-8568"/>
+                  <a:pt x="904459" y="-19505"/>
+                  <a:pt x="1171834" y="0"/>
+                </a:cubicBezTo>
+                <a:cubicBezTo>
+                  <a:pt x="1439209" y="19505"/>
+                  <a:pt x="1744369" y="9790"/>
+                  <a:pt x="1887955" y="0"/>
+                </a:cubicBezTo>
+                <a:cubicBezTo>
+                  <a:pt x="2031541" y="-9790"/>
+                  <a:pt x="2346378" y="21240"/>
+                  <a:pt x="2506423" y="0"/>
+                </a:cubicBezTo>
+                <a:cubicBezTo>
+                  <a:pt x="2666468" y="-21240"/>
+                  <a:pt x="2990257" y="30414"/>
+                  <a:pt x="3255095" y="0"/>
+                </a:cubicBezTo>
+                <a:cubicBezTo>
+                  <a:pt x="3254831" y="4493"/>
+                  <a:pt x="3255479" y="9472"/>
+                  <a:pt x="3255095" y="18288"/>
+                </a:cubicBezTo>
+                <a:cubicBezTo>
+                  <a:pt x="3120743" y="16690"/>
+                  <a:pt x="2759628" y="42462"/>
+                  <a:pt x="2604076" y="18288"/>
+                </a:cubicBezTo>
+                <a:cubicBezTo>
+                  <a:pt x="2448524" y="-5886"/>
+                  <a:pt x="2184336" y="19599"/>
+                  <a:pt x="1887955" y="18288"/>
+                </a:cubicBezTo>
+                <a:cubicBezTo>
+                  <a:pt x="1591574" y="16977"/>
+                  <a:pt x="1548845" y="6870"/>
+                  <a:pt x="1334589" y="18288"/>
+                </a:cubicBezTo>
+                <a:cubicBezTo>
+                  <a:pt x="1120333" y="29706"/>
+                  <a:pt x="996014" y="9662"/>
+                  <a:pt x="683570" y="18288"/>
+                </a:cubicBezTo>
+                <a:cubicBezTo>
+                  <a:pt x="371126" y="26914"/>
+                  <a:pt x="198687" y="16167"/>
+                  <a:pt x="0" y="18288"/>
+                </a:cubicBezTo>
+                <a:cubicBezTo>
+                  <a:pt x="843" y="9577"/>
+                  <a:pt x="371" y="6900"/>
+                  <a:pt x="0" y="0"/>
+                </a:cubicBezTo>
+                <a:close/>
+              </a:path>
+            </a:pathLst>
+          </a:custGeom>
+          <a:solidFill>
+            <a:schemeClr val="accent2"/>
+          </a:solidFill>
+          <a:ln w="38100" cap="rnd">
+            <a:solidFill>
+              <a:schemeClr val="accent2"/>
+            </a:solidFill>
+            <a:round/>
+            <a:extLst>
+              <a:ext uri="{C807C97D-BFC1-408E-A445-0C87EB9F89A2}">
+                <ask:lineSketchStyleProps xmlns:ask="http://schemas.microsoft.com/office/drawing/2018/sketchyshapes" sd="1219033472">
+                  <a:prstGeom prst="rect">
+                    <a:avLst/>
+                  </a:prstGeom>
+                  <ask:type>
+                    <ask:lineSketchFreehand/>
+                  </ask:type>
+                </ask:lineSketchStyleProps>
+              </a:ext>
+            </a:extLst>
+          </a:ln>
+        </p:spPr>
+        <p:style>
+          <a:lnRef idx="2">
+            <a:schemeClr val="accent1">
+              <a:shade val="50000"/>
+            </a:schemeClr>
+          </a:lnRef>
+          <a:fillRef idx="1">
+            <a:schemeClr val="accent1"/>
+          </a:fillRef>
+          <a:effectRef idx="0">
+            <a:schemeClr val="accent1"/>
+          </a:effectRef>
+          <a:fontRef idx="minor">
+            <a:schemeClr val="lt1"/>
+          </a:fontRef>
+        </p:style>
+        <p:txBody>
+          <a:bodyPr rtlCol="0" anchor="ctr"/>
+          <a:lstStyle/>
+          <a:p>
+            <a:pPr algn="ctr"/>
+            <a:endParaRPr lang="en-US"/>
+          </a:p>
+        </p:txBody>
+      </p:sp>
+      <p:sp>
+        <p:nvSpPr>
+          <p:cNvPr id="9" name="Content Placeholder 8">
+            <a:extLst>
+              <a:ext uri="{FF2B5EF4-FFF2-40B4-BE49-F238E27FC236}">
+                <a16:creationId xmlns:a16="http://schemas.microsoft.com/office/drawing/2014/main" id="{82834A50-F281-4D37-9265-FE91B25B1AF9}"/>
+              </a:ext>
+            </a:extLst>
+          </p:cNvPr>
+          <p:cNvSpPr>
+            <a:spLocks noGrp="1"/>
+          </p:cNvSpPr>
+          <p:nvPr>
+            <p:ph idx="1"/>
+          </p:nvPr>
+        </p:nvSpPr>
+        <p:spPr>
+          <a:xfrm>
+            <a:off x="630936" y="2660904"/>
+            <a:ext cx="4818888" cy="3547872"/>
+          </a:xfrm>
+        </p:spPr>
+        <p:txBody>
+          <a:bodyPr anchor="t">
+            <a:normAutofit/>
+          </a:bodyPr>
+          <a:lstStyle/>
+          <a:p>
+            <a:r>
+              <a:rPr lang="en-US" sz="2200" dirty="0"/>
+              <a:t>Created a basic Algorithm</a:t>
+            </a:r>
+          </a:p>
+          <a:p>
+            <a:r>
+              <a:rPr lang="en-US" sz="2200" dirty="0"/>
+              <a:t>Segmentation error</a:t>
+            </a:r>
+          </a:p>
+        </p:txBody>
+      </p:sp>
+      <p:pic>
+        <p:nvPicPr>
+          <p:cNvPr id="5" name="Content Placeholder 4">
+            <a:extLst>
+              <a:ext uri="{FF2B5EF4-FFF2-40B4-BE49-F238E27FC236}">
+                <a16:creationId xmlns:a16="http://schemas.microsoft.com/office/drawing/2014/main" id="{5AAD29B9-920C-4FBD-9965-E7144A0BA2D5}"/>
+              </a:ext>
+            </a:extLst>
+          </p:cNvPr>
+          <p:cNvPicPr>
+            <a:picLocks noChangeAspect="1"/>
+          </p:cNvPicPr>
+          <p:nvPr/>
+        </p:nvPicPr>
+        <p:blipFill>
+          <a:blip r:embed="rId2"/>
+          <a:stretch>
+            <a:fillRect/>
+          </a:stretch>
+        </p:blipFill>
+        <p:spPr>
+          <a:xfrm>
+            <a:off x="6193002" y="640080"/>
+            <a:ext cx="5271059" cy="5577840"/>
+          </a:xfrm>
+          <a:prstGeom prst="rect">
+            <a:avLst/>
+          </a:prstGeom>
+        </p:spPr>
+      </p:pic>
+    </p:spTree>
+    <p:extLst>
+      <p:ext uri="{BB962C8B-B14F-4D97-AF65-F5344CB8AC3E}">
+        <p14:creationId xmlns:p14="http://schemas.microsoft.com/office/powerpoint/2010/main" val="98159200"/>
       </p:ext>
     </p:extLst>
   </p:cSld>
